--- a/180418.pptx
+++ b/180418.pptx
@@ -1,44 +1,33 @@
 
 <file path=ppt/presentation.xml><?xml version="1.0" encoding="utf-8"?>
-<p:presentation xmlns:a="http://schemas.openxmlformats.org/drawingml/2006/main" xmlns:r="http://schemas.openxmlformats.org/officeDocument/2006/relationships" xmlns:p="http://schemas.openxmlformats.org/presentationml/2006/main" showSpecialPlsOnTitleSld="0" embedTrueTypeFonts="1" saveSubsetFonts="1">
+<p:presentation xmlns:r="http://schemas.openxmlformats.org/officeDocument/2006/relationships" xmlns:c="http://schemas.openxmlformats.org/drawingml/2006/chart" xmlns:a="http://schemas.openxmlformats.org/drawingml/2006/main" xmlns:dgm="http://schemas.openxmlformats.org/drawingml/2006/diagram" xmlns:dsp="http://schemas.microsoft.com/office/drawing/2008/diagram" xmlns:p="http://schemas.openxmlformats.org/presentationml/2006/main" showSpecialPlsOnTitleSld="0" saveSubsetFonts="1">
   <p:sldMasterIdLst>
-    <p:sldMasterId id="2147483651" r:id="rId1"/>
+    <p:sldMasterId id="2147483652" r:id="rId1"/>
   </p:sldMasterIdLst>
   <p:notesMasterIdLst>
-    <p:notesMasterId r:id="rId19"/>
+    <p:notesMasterId r:id="rId2"/>
   </p:notesMasterIdLst>
   <p:sldIdLst>
-    <p:sldId id="256" r:id="rId2"/>
-    <p:sldId id="257" r:id="rId3"/>
-    <p:sldId id="273" r:id="rId4"/>
-    <p:sldId id="276" r:id="rId5"/>
-    <p:sldId id="274" r:id="rId6"/>
-    <p:sldId id="277" r:id="rId7"/>
-    <p:sldId id="278" r:id="rId8"/>
-    <p:sldId id="281" r:id="rId9"/>
-    <p:sldId id="283" r:id="rId10"/>
-    <p:sldId id="282" r:id="rId11"/>
-    <p:sldId id="285" r:id="rId12"/>
-    <p:sldId id="284" r:id="rId13"/>
-    <p:sldId id="286" r:id="rId14"/>
-    <p:sldId id="287" r:id="rId15"/>
-    <p:sldId id="288" r:id="rId16"/>
-    <p:sldId id="289" r:id="rId17"/>
-    <p:sldId id="290" r:id="rId18"/>
+    <p:sldId id="256" r:id="rId3"/>
+    <p:sldId id="257" r:id="rId4"/>
+    <p:sldId id="258" r:id="rId5"/>
+    <p:sldId id="259" r:id="rId6"/>
+    <p:sldId id="260" r:id="rId7"/>
+    <p:sldId id="261" r:id="rId8"/>
+    <p:sldId id="262" r:id="rId9"/>
+    <p:sldId id="263" r:id="rId10"/>
+    <p:sldId id="264" r:id="rId11"/>
+    <p:sldId id="265" r:id="rId12"/>
+    <p:sldId id="266" r:id="rId13"/>
+    <p:sldId id="267" r:id="rId14"/>
+    <p:sldId id="268" r:id="rId15"/>
+    <p:sldId id="269" r:id="rId16"/>
+    <p:sldId id="270" r:id="rId17"/>
+    <p:sldId id="271" r:id="rId18"/>
+    <p:sldId id="272" r:id="rId19"/>
   </p:sldIdLst>
   <p:sldSz cx="12192000" cy="6858000"/>
   <p:notesSz cx="6858000" cy="9144000"/>
-  <p:embeddedFontLst>
-    <p:embeddedFont>
-      <p:font typeface="맑은 고딕" panose="020B0503020000020004" pitchFamily="50" charset="-127"/>
-      <p:regular r:id="rId20"/>
-      <p:bold r:id="rId21"/>
-    </p:embeddedFont>
-    <p:embeddedFont>
-      <p:font typeface="배달의민족 도현" panose="020B0600000101010101" pitchFamily="50" charset="-127"/>
-      <p:regular r:id="rId22"/>
-    </p:embeddedFont>
-  </p:embeddedFontLst>
   <p:defaultTextStyle>
     <a:defPPr>
       <a:defRPr lang="ko-KR"/>
@@ -134,27 +123,11 @@
       </a:defRPr>
     </a:lvl9pPr>
   </p:defaultTextStyle>
-  <p:extLst>
-    <p:ext uri="{EFAFB233-063F-42B5-8137-9DF3F51BA10A}">
-      <p15:sldGuideLst xmlns:p15="http://schemas.microsoft.com/office/powerpoint/2012/main">
-        <p15:guide id="1" orient="horz" pos="2160">
-          <p15:clr>
-            <a:srgbClr val="A4A3A4"/>
-          </p15:clr>
-        </p15:guide>
-        <p15:guide id="2" pos="3840">
-          <p15:clr>
-            <a:srgbClr val="A4A3A4"/>
-          </p15:clr>
-        </p15:guide>
-      </p15:sldGuideLst>
-    </p:ext>
-  </p:extLst>
 </p:presentation>
 </file>
 
 <file path=ppt/notesMasters/notesMaster1.xml><?xml version="1.0" encoding="utf-8"?>
-<p:notesMaster xmlns:a="http://schemas.openxmlformats.org/drawingml/2006/main" xmlns:r="http://schemas.openxmlformats.org/officeDocument/2006/relationships" xmlns:p="http://schemas.openxmlformats.org/presentationml/2006/main">
+<p:notesMaster xmlns:r="http://schemas.openxmlformats.org/officeDocument/2006/relationships" xmlns:c="http://schemas.openxmlformats.org/drawingml/2006/chart" xmlns:a="http://schemas.openxmlformats.org/drawingml/2006/main" xmlns:dgm="http://schemas.openxmlformats.org/drawingml/2006/diagram" xmlns:dsp="http://schemas.microsoft.com/office/drawing/2008/diagram" xmlns:p="http://schemas.openxmlformats.org/presentationml/2006/main">
   <p:cSld>
     <p:bg>
       <p:bgRef idx="1001">
@@ -182,7 +155,7 @@
             <a:spLocks noGrp="1"/>
           </p:cNvSpPr>
           <p:nvPr>
-            <p:ph type="hdr" sz="quarter"/>
+            <p:ph type="hdr" sz="quarter" idx="0"/>
           </p:nvPr>
         </p:nvSpPr>
         <p:spPr>
@@ -195,13 +168,20 @@
           </a:prstGeom>
         </p:spPr>
         <p:txBody>
-          <a:bodyPr vert="horz" lIns="91440" tIns="45720" rIns="91440" bIns="45720" rtlCol="0"/>
+          <a:bodyPr vert="horz" lIns="91440" tIns="45720" rIns="91440" bIns="45720"/>
           <a:lstStyle>
             <a:lvl1pPr algn="l">
               <a:defRPr sz="1200"/>
             </a:lvl1pPr>
           </a:lstStyle>
           <a:p>
+            <a:pPr lvl="0">
+              <a:defRPr lang="ko-KR" altLang="en-US"/>
+            </a:pPr>
+            <a:r>
+              <a:rPr lang="ko-KR" altLang="en-US"/>
+              <a:t/>
+            </a:r>
             <a:endParaRPr lang="ko-KR" altLang="en-US"/>
           </a:p>
         </p:txBody>
@@ -226,15 +206,21 @@
           </a:prstGeom>
         </p:spPr>
         <p:txBody>
-          <a:bodyPr vert="horz" lIns="91440" tIns="45720" rIns="91440" bIns="45720" rtlCol="0"/>
+          <a:bodyPr vert="horz" lIns="91440" tIns="45720" rIns="91440" bIns="45720"/>
           <a:lstStyle>
             <a:lvl1pPr algn="r">
               <a:defRPr sz="1200"/>
             </a:lvl1pPr>
           </a:lstStyle>
           <a:p>
-            <a:fld id="{A984DB57-07F7-4FD7-9366-BFAC8DD68F5F}" type="datetimeFigureOut">
-              <a:rPr lang="ko-KR" altLang="en-US" smtClean="0"/>
+            <a:pPr lvl="0">
+              <a:defRPr lang="ko-KR" altLang="en-US"/>
+            </a:pPr>
+            <a:fld id="{A984DB57-07F7-4FD7-9366-BFAC8DD68F5F}" type="datetime1">
+              <a:rPr lang="ko-KR" altLang="en-US"/>
+              <a:pPr lvl="0">
+                <a:defRPr lang="ko-KR" altLang="en-US"/>
+              </a:pPr>
               <a:t>2018-04-18</a:t>
             </a:fld>
             <a:endParaRPr lang="ko-KR" altLang="en-US"/>
@@ -245,7 +231,7 @@
         <p:nvSpPr>
           <p:cNvPr id="4" name="슬라이드 이미지 개체 틀 3"/>
           <p:cNvSpPr>
-            <a:spLocks noGrp="1" noRot="1" noChangeAspect="1"/>
+            <a:spLocks noGrp="1" noRot="1" noChangeAspect="1" noTextEdit="1"/>
           </p:cNvSpPr>
           <p:nvPr>
             <p:ph type="sldImg" idx="2"/>
@@ -267,9 +253,12 @@
           </a:ln>
         </p:spPr>
         <p:txBody>
-          <a:bodyPr vert="horz" lIns="91440" tIns="45720" rIns="91440" bIns="45720" rtlCol="0" anchor="ctr"/>
+          <a:bodyPr vert="horz" lIns="91440" tIns="45720" rIns="91440" bIns="45720" anchor="ctr"/>
           <a:lstStyle/>
           <a:p>
+            <a:pPr lvl="0">
+              <a:defRPr lang="ko-KR" altLang="en-US"/>
+            </a:pPr>
             <a:endParaRPr lang="ko-KR" altLang="en-US"/>
           </a:p>
         </p:txBody>
@@ -294,42 +283,57 @@
           </a:prstGeom>
         </p:spPr>
         <p:txBody>
-          <a:bodyPr vert="horz" lIns="91440" tIns="45720" rIns="91440" bIns="45720" rtlCol="0"/>
+          <a:bodyPr vert="horz" lIns="91440" tIns="45720" rIns="91440" bIns="45720"/>
           <a:lstStyle/>
           <a:p>
-            <a:pPr lvl="0"/>
+            <a:pPr lvl="0">
+              <a:defRPr lang="ko-KR" altLang="en-US"/>
+            </a:pPr>
             <a:r>
               <a:rPr lang="ko-KR" altLang="en-US"/>
               <a:t>마스터 텍스트 스타일 편집</a:t>
             </a:r>
-          </a:p>
-          <a:p>
-            <a:pPr lvl="1"/>
+            <a:endParaRPr lang="ko-KR" altLang="en-US"/>
+          </a:p>
+          <a:p>
+            <a:pPr lvl="1">
+              <a:defRPr lang="ko-KR" altLang="en-US"/>
+            </a:pPr>
             <a:r>
               <a:rPr lang="ko-KR" altLang="en-US"/>
               <a:t>둘째 수준</a:t>
             </a:r>
-          </a:p>
-          <a:p>
-            <a:pPr lvl="2"/>
+            <a:endParaRPr lang="ko-KR" altLang="en-US"/>
+          </a:p>
+          <a:p>
+            <a:pPr lvl="2">
+              <a:defRPr lang="ko-KR" altLang="en-US"/>
+            </a:pPr>
             <a:r>
               <a:rPr lang="ko-KR" altLang="en-US"/>
               <a:t>셋째 수준</a:t>
             </a:r>
-          </a:p>
-          <a:p>
-            <a:pPr lvl="3"/>
+            <a:endParaRPr lang="ko-KR" altLang="en-US"/>
+          </a:p>
+          <a:p>
+            <a:pPr lvl="3">
+              <a:defRPr lang="ko-KR" altLang="en-US"/>
+            </a:pPr>
             <a:r>
               <a:rPr lang="ko-KR" altLang="en-US"/>
               <a:t>넷째 수준</a:t>
             </a:r>
-          </a:p>
-          <a:p>
-            <a:pPr lvl="4"/>
+            <a:endParaRPr lang="ko-KR" altLang="en-US"/>
+          </a:p>
+          <a:p>
+            <a:pPr lvl="4">
+              <a:defRPr lang="ko-KR" altLang="en-US"/>
+            </a:pPr>
             <a:r>
               <a:rPr lang="ko-KR" altLang="en-US"/>
               <a:t>다섯째 수준</a:t>
             </a:r>
+            <a:endParaRPr lang="ko-KR" altLang="en-US"/>
           </a:p>
         </p:txBody>
       </p:sp>
@@ -353,13 +357,20 @@
           </a:prstGeom>
         </p:spPr>
         <p:txBody>
-          <a:bodyPr vert="horz" lIns="91440" tIns="45720" rIns="91440" bIns="45720" rtlCol="0" anchor="b"/>
+          <a:bodyPr vert="horz" lIns="91440" tIns="45720" rIns="91440" bIns="45720" anchor="b"/>
           <a:lstStyle>
             <a:lvl1pPr algn="l">
               <a:defRPr sz="1200"/>
             </a:lvl1pPr>
           </a:lstStyle>
           <a:p>
+            <a:pPr lvl="0">
+              <a:defRPr lang="ko-KR" altLang="en-US"/>
+            </a:pPr>
+            <a:r>
+              <a:rPr lang="ko-KR" altLang="en-US"/>
+              <a:t/>
+            </a:r>
             <a:endParaRPr lang="ko-KR" altLang="en-US"/>
           </a:p>
         </p:txBody>
@@ -384,15 +395,21 @@
           </a:prstGeom>
         </p:spPr>
         <p:txBody>
-          <a:bodyPr vert="horz" lIns="91440" tIns="45720" rIns="91440" bIns="45720" rtlCol="0" anchor="b"/>
+          <a:bodyPr vert="horz" lIns="91440" tIns="45720" rIns="91440" bIns="45720" anchor="b"/>
           <a:lstStyle>
             <a:lvl1pPr algn="r">
               <a:defRPr sz="1200"/>
             </a:lvl1pPr>
           </a:lstStyle>
           <a:p>
+            <a:pPr lvl="0">
+              <a:defRPr lang="ko-KR" altLang="en-US"/>
+            </a:pPr>
             <a:fld id="{B50A98F7-BA40-43E4-8D2A-29463F8772D9}" type="slidenum">
-              <a:rPr lang="ko-KR" altLang="en-US" smtClean="0"/>
+              <a:rPr lang="ko-KR" altLang="en-US"/>
+              <a:pPr lvl="0">
+                <a:defRPr lang="ko-KR" altLang="en-US"/>
+              </a:pPr>
               <a:t>‹#›</a:t>
             </a:fld>
             <a:endParaRPr lang="ko-KR" altLang="en-US"/>
@@ -400,13 +417,9 @@
         </p:txBody>
       </p:sp>
     </p:spTree>
-    <p:extLst>
-      <p:ext uri="{BB962C8B-B14F-4D97-AF65-F5344CB8AC3E}">
-        <p14:creationId xmlns:p14="http://schemas.microsoft.com/office/powerpoint/2010/main" val="1238390359"/>
-      </p:ext>
-    </p:extLst>
   </p:cSld>
   <p:clrMap bg1="lt1" tx1="dk1" bg2="lt2" tx2="dk2" accent1="accent1" accent2="accent2" accent3="accent3" accent4="accent4" accent5="accent5" accent6="accent6" hlink="hlink" folHlink="folHlink"/>
+  <p:hf hdr="0" ftr="0" dt="0"/>
   <p:notesStyle>
     <a:lvl1pPr marL="0" algn="l" defTabSz="914400" rtl="0" eaLnBrk="1" latinLnBrk="1" hangingPunct="1">
       <a:defRPr sz="1200" kern="1200">
@@ -11578,7 +11591,7 @@
 </file>
 
 <file path=ppt/slides/slide4.xml><?xml version="1.0" encoding="utf-8"?>
-<p:sld xmlns:a="http://schemas.openxmlformats.org/drawingml/2006/main" xmlns:r="http://schemas.openxmlformats.org/officeDocument/2006/relationships" xmlns:p="http://schemas.openxmlformats.org/presentationml/2006/main">
+<p:sld xmlns:r="http://schemas.openxmlformats.org/officeDocument/2006/relationships" xmlns:c="http://schemas.openxmlformats.org/drawingml/2006/chart" xmlns:a="http://schemas.openxmlformats.org/drawingml/2006/main" xmlns:dgm="http://schemas.openxmlformats.org/drawingml/2006/diagram" xmlns:dsp="http://schemas.microsoft.com/office/drawing/2008/diagram" xmlns:p="http://schemas.openxmlformats.org/presentationml/2006/main">
   <p:cSld>
     <p:spTree>
       <p:nvGrpSpPr>
@@ -11596,13 +11609,7 @@
       </p:grpSpPr>
       <p:sp>
         <p:nvSpPr>
-          <p:cNvPr id="2" name="텍스트 개체 틀 1">
-            <a:extLst>
-              <a:ext uri="{FF2B5EF4-FFF2-40B4-BE49-F238E27FC236}">
-                <a16:creationId xmlns:a16="http://schemas.microsoft.com/office/drawing/2014/main" id="{5D4EDC4D-49F2-4867-9C60-F543D5E36B52}"/>
-              </a:ext>
-            </a:extLst>
-          </p:cNvPr>
+          <p:cNvPr id="2" name="텍스트 개체 틀 1"/>
           <p:cNvSpPr>
             <a:spLocks noGrp="1"/>
           </p:cNvSpPr>
@@ -11615,31 +11622,24 @@
           <a:bodyPr/>
           <a:lstStyle/>
           <a:p>
-            <a:r>
-              <a:rPr lang="ko-KR" altLang="en-US" dirty="0" err="1"/>
-              <a:t>블록체인이란</a:t>
-            </a:r>
-            <a:r>
-              <a:rPr lang="ko-KR" altLang="en-US" dirty="0"/>
-              <a:t> 무엇인가</a:t>
-            </a:r>
-            <a:r>
-              <a:rPr lang="en-US" altLang="ko-KR" dirty="0"/>
+            <a:pPr lvl="0">
+              <a:defRPr lang="ko-KR" altLang="en-US"/>
+            </a:pPr>
+            <a:r>
+              <a:rPr lang="ko-KR" altLang="en-US"/>
+              <a:t>블록체인이란 무엇인가</a:t>
+            </a:r>
+            <a:r>
+              <a:rPr lang="en-US" altLang="ko-KR"/>
               <a:t>?</a:t>
             </a:r>
-            <a:endParaRPr lang="ko-KR" altLang="en-US" dirty="0"/>
+            <a:endParaRPr lang="ko-KR" altLang="en-US"/>
           </a:p>
         </p:txBody>
       </p:sp>
       <p:sp>
         <p:nvSpPr>
-          <p:cNvPr id="3" name="슬라이드 번호 개체 틀 2">
-            <a:extLst>
-              <a:ext uri="{FF2B5EF4-FFF2-40B4-BE49-F238E27FC236}">
-                <a16:creationId xmlns:a16="http://schemas.microsoft.com/office/drawing/2014/main" id="{5D39FEC6-56A3-4779-BB20-5B4EB586EE3C}"/>
-              </a:ext>
-            </a:extLst>
-          </p:cNvPr>
+          <p:cNvPr id="3" name="슬라이드 번호 개체 틀 2"/>
           <p:cNvSpPr>
             <a:spLocks noGrp="1"/>
           </p:cNvSpPr>
@@ -11652,8 +11652,14 @@
           <a:bodyPr/>
           <a:lstStyle/>
           <a:p>
+            <a:pPr lvl="0">
+              <a:defRPr lang="ko-KR" altLang="en-US"/>
+            </a:pPr>
             <a:fld id="{1A0C73F8-74E2-4C3E-90EF-73BCAA101A72}" type="slidenum">
-              <a:rPr lang="ko-KR" altLang="en-US" smtClean="0"/>
+              <a:rPr lang="ko-KR" altLang="en-US"/>
+              <a:pPr lvl="0">
+                <a:defRPr lang="ko-KR" altLang="en-US"/>
+              </a:pPr>
               <a:t>4</a:t>
             </a:fld>
             <a:endParaRPr lang="ko-KR" altLang="en-US"/>
@@ -11662,13 +11668,7 @@
       </p:sp>
       <p:sp>
         <p:nvSpPr>
-          <p:cNvPr id="4" name="직사각형 3">
-            <a:extLst>
-              <a:ext uri="{FF2B5EF4-FFF2-40B4-BE49-F238E27FC236}">
-                <a16:creationId xmlns:a16="http://schemas.microsoft.com/office/drawing/2014/main" id="{FC78AB8F-F285-4152-B83D-69D7ED4C69D8}"/>
-              </a:ext>
-            </a:extLst>
-          </p:cNvPr>
+          <p:cNvPr id="4" name="직사각형 3"/>
           <p:cNvSpPr/>
           <p:nvPr/>
         </p:nvSpPr>
@@ -11698,23 +11698,19 @@
           </a:fontRef>
         </p:style>
         <p:txBody>
-          <a:bodyPr rtlCol="0" anchor="ctr"/>
+          <a:bodyPr anchor="ctr"/>
           <a:lstStyle/>
           <a:p>
-            <a:pPr algn="ctr"/>
+            <a:pPr algn="ctr">
+              <a:defRPr lang="ko-KR" altLang="en-US"/>
+            </a:pPr>
             <a:endParaRPr lang="ko-KR" altLang="en-US"/>
           </a:p>
         </p:txBody>
       </p:sp>
       <p:sp>
         <p:nvSpPr>
-          <p:cNvPr id="5" name="직사각형 4">
-            <a:extLst>
-              <a:ext uri="{FF2B5EF4-FFF2-40B4-BE49-F238E27FC236}">
-                <a16:creationId xmlns:a16="http://schemas.microsoft.com/office/drawing/2014/main" id="{3C6043FE-B55C-4EFB-9C40-1DA6C2783297}"/>
-              </a:ext>
-            </a:extLst>
-          </p:cNvPr>
+          <p:cNvPr id="5" name="직사각형 4"/>
           <p:cNvSpPr/>
           <p:nvPr/>
         </p:nvSpPr>
@@ -11744,23 +11740,19 @@
           </a:fontRef>
         </p:style>
         <p:txBody>
-          <a:bodyPr rtlCol="0" anchor="ctr"/>
+          <a:bodyPr anchor="ctr"/>
           <a:lstStyle/>
           <a:p>
-            <a:pPr algn="ctr"/>
+            <a:pPr algn="ctr">
+              <a:defRPr lang="ko-KR" altLang="en-US"/>
+            </a:pPr>
             <a:endParaRPr lang="ko-KR" altLang="en-US"/>
           </a:p>
         </p:txBody>
       </p:sp>
       <p:sp>
         <p:nvSpPr>
-          <p:cNvPr id="6" name="직사각형 5">
-            <a:extLst>
-              <a:ext uri="{FF2B5EF4-FFF2-40B4-BE49-F238E27FC236}">
-                <a16:creationId xmlns:a16="http://schemas.microsoft.com/office/drawing/2014/main" id="{31B4DC62-6D6E-4E44-8FCD-E247A3E4FE67}"/>
-              </a:ext>
-            </a:extLst>
-          </p:cNvPr>
+          <p:cNvPr id="6" name="직사각형 5"/>
           <p:cNvSpPr/>
           <p:nvPr/>
         </p:nvSpPr>
@@ -11790,23 +11782,19 @@
           </a:fontRef>
         </p:style>
         <p:txBody>
-          <a:bodyPr rtlCol="0" anchor="ctr"/>
+          <a:bodyPr anchor="ctr"/>
           <a:lstStyle/>
           <a:p>
-            <a:pPr algn="ctr"/>
+            <a:pPr algn="ctr">
+              <a:defRPr lang="ko-KR" altLang="en-US"/>
+            </a:pPr>
             <a:endParaRPr lang="ko-KR" altLang="en-US"/>
           </a:p>
         </p:txBody>
       </p:sp>
       <p:sp>
         <p:nvSpPr>
-          <p:cNvPr id="7" name="직사각형 6">
-            <a:extLst>
-              <a:ext uri="{FF2B5EF4-FFF2-40B4-BE49-F238E27FC236}">
-                <a16:creationId xmlns:a16="http://schemas.microsoft.com/office/drawing/2014/main" id="{B5E45A22-019F-46D2-BE65-057CCD6FF04E}"/>
-              </a:ext>
-            </a:extLst>
-          </p:cNvPr>
+          <p:cNvPr id="7" name="직사각형 6"/>
           <p:cNvSpPr/>
           <p:nvPr/>
         </p:nvSpPr>
@@ -11836,23 +11824,19 @@
           </a:fontRef>
         </p:style>
         <p:txBody>
-          <a:bodyPr rtlCol="0" anchor="ctr"/>
+          <a:bodyPr anchor="ctr"/>
           <a:lstStyle/>
           <a:p>
-            <a:pPr algn="ctr"/>
+            <a:pPr algn="ctr">
+              <a:defRPr lang="ko-KR" altLang="en-US"/>
+            </a:pPr>
             <a:endParaRPr lang="ko-KR" altLang="en-US"/>
           </a:p>
         </p:txBody>
       </p:sp>
       <p:sp>
         <p:nvSpPr>
-          <p:cNvPr id="8" name="직사각형 7">
-            <a:extLst>
-              <a:ext uri="{FF2B5EF4-FFF2-40B4-BE49-F238E27FC236}">
-                <a16:creationId xmlns:a16="http://schemas.microsoft.com/office/drawing/2014/main" id="{F00D49A9-BC92-405A-8857-24FDA00CD274}"/>
-              </a:ext>
-            </a:extLst>
-          </p:cNvPr>
+          <p:cNvPr id="8" name="직사각형 7"/>
           <p:cNvSpPr/>
           <p:nvPr/>
         </p:nvSpPr>
@@ -11882,23 +11866,19 @@
           </a:fontRef>
         </p:style>
         <p:txBody>
-          <a:bodyPr rtlCol="0" anchor="ctr"/>
+          <a:bodyPr anchor="ctr"/>
           <a:lstStyle/>
           <a:p>
-            <a:pPr algn="ctr"/>
+            <a:pPr algn="ctr">
+              <a:defRPr lang="ko-KR" altLang="en-US"/>
+            </a:pPr>
             <a:endParaRPr lang="ko-KR" altLang="en-US"/>
           </a:p>
         </p:txBody>
       </p:sp>
       <p:sp>
         <p:nvSpPr>
-          <p:cNvPr id="9" name="직사각형 8">
-            <a:extLst>
-              <a:ext uri="{FF2B5EF4-FFF2-40B4-BE49-F238E27FC236}">
-                <a16:creationId xmlns:a16="http://schemas.microsoft.com/office/drawing/2014/main" id="{E712E77C-92BA-4E74-A8F8-0A36B709404E}"/>
-              </a:ext>
-            </a:extLst>
-          </p:cNvPr>
+          <p:cNvPr id="9" name="직사각형 8"/>
           <p:cNvSpPr/>
           <p:nvPr/>
         </p:nvSpPr>
@@ -11928,30 +11908,26 @@
           </a:fontRef>
         </p:style>
         <p:txBody>
-          <a:bodyPr rtlCol="0" anchor="ctr"/>
+          <a:bodyPr anchor="ctr"/>
           <a:lstStyle/>
           <a:p>
-            <a:pPr algn="ctr"/>
+            <a:pPr algn="ctr">
+              <a:defRPr lang="ko-KR" altLang="en-US"/>
+            </a:pPr>
             <a:endParaRPr lang="ko-KR" altLang="en-US"/>
           </a:p>
         </p:txBody>
       </p:sp>
       <p:sp>
         <p:nvSpPr>
-          <p:cNvPr id="10" name="TextBox 9">
-            <a:extLst>
-              <a:ext uri="{FF2B5EF4-FFF2-40B4-BE49-F238E27FC236}">
-                <a16:creationId xmlns:a16="http://schemas.microsoft.com/office/drawing/2014/main" id="{BF67C7BB-CA61-4F01-8309-58345D1574C0}"/>
-              </a:ext>
-            </a:extLst>
-          </p:cNvPr>
+          <p:cNvPr id="10" name="TextBox 9"/>
           <p:cNvSpPr txBox="1"/>
           <p:nvPr/>
         </p:nvSpPr>
         <p:spPr>
           <a:xfrm>
-            <a:off x="6786694" y="1979802"/>
-            <a:ext cx="396262" cy="369332"/>
+            <a:off x="6776085" y="1979802"/>
+            <a:ext cx="421005" cy="369332"/>
           </a:xfrm>
           <a:prstGeom prst="rect">
             <a:avLst/>
@@ -11959,35 +11935,31 @@
           <a:noFill/>
         </p:spPr>
         <p:txBody>
-          <a:bodyPr wrap="none" rtlCol="0">
+          <a:bodyPr wrap="none">
             <a:spAutoFit/>
           </a:bodyPr>
           <a:lstStyle/>
           <a:p>
-            <a:pPr algn="ctr"/>
-            <a:r>
-              <a:rPr lang="en-US" altLang="ko-KR" dirty="0">
-                <a:latin typeface="배달의민족 도현" panose="020B0600000101010101" pitchFamily="50" charset="-127"/>
-                <a:ea typeface="배달의민족 도현" panose="020B0600000101010101" pitchFamily="50" charset="-127"/>
+            <a:pPr algn="ctr">
+              <a:defRPr lang="ko-KR" altLang="en-US"/>
+            </a:pPr>
+            <a:r>
+              <a:rPr lang="en-US" altLang="ko-KR">
+                <a:latin typeface="배달의민족 도현"/>
+                <a:ea typeface="배달의민족 도현"/>
               </a:rPr>
               <a:t>…</a:t>
             </a:r>
-            <a:endParaRPr lang="ko-KR" altLang="en-US" dirty="0">
-              <a:latin typeface="배달의민족 도현" panose="020B0600000101010101" pitchFamily="50" charset="-127"/>
-              <a:ea typeface="배달의민족 도현" panose="020B0600000101010101" pitchFamily="50" charset="-127"/>
+            <a:endParaRPr lang="ko-KR" altLang="en-US">
+              <a:latin typeface="배달의민족 도현"/>
+              <a:ea typeface="배달의민족 도현"/>
             </a:endParaRPr>
           </a:p>
         </p:txBody>
       </p:sp>
       <p:cxnSp>
         <p:nvCxnSpPr>
-          <p:cNvPr id="11" name="직선 화살표 연결선 10">
-            <a:extLst>
-              <a:ext uri="{FF2B5EF4-FFF2-40B4-BE49-F238E27FC236}">
-                <a16:creationId xmlns:a16="http://schemas.microsoft.com/office/drawing/2014/main" id="{8AC60001-97C3-4A11-B77D-7469305D4476}"/>
-              </a:ext>
-            </a:extLst>
-          </p:cNvPr>
+          <p:cNvPr id="11" name="직선 화살표 연결선 10"/>
           <p:cNvCxnSpPr>
             <a:stCxn id="5" idx="1"/>
             <a:endCxn id="4" idx="3"/>
@@ -12023,13 +11995,7 @@
       </p:cxnSp>
       <p:cxnSp>
         <p:nvCxnSpPr>
-          <p:cNvPr id="12" name="직선 화살표 연결선 11">
-            <a:extLst>
-              <a:ext uri="{FF2B5EF4-FFF2-40B4-BE49-F238E27FC236}">
-                <a16:creationId xmlns:a16="http://schemas.microsoft.com/office/drawing/2014/main" id="{2767609B-43B3-47BF-9F4A-EDC80D243B9A}"/>
-              </a:ext>
-            </a:extLst>
-          </p:cNvPr>
+          <p:cNvPr id="12" name="직선 화살표 연결선 11"/>
           <p:cNvCxnSpPr/>
           <p:nvPr/>
         </p:nvCxnSpPr>
@@ -12062,13 +12028,7 @@
       </p:cxnSp>
       <p:cxnSp>
         <p:nvCxnSpPr>
-          <p:cNvPr id="13" name="직선 화살표 연결선 12">
-            <a:extLst>
-              <a:ext uri="{FF2B5EF4-FFF2-40B4-BE49-F238E27FC236}">
-                <a16:creationId xmlns:a16="http://schemas.microsoft.com/office/drawing/2014/main" id="{9E73C3AC-EE93-4CF2-9555-E45AEF9D1165}"/>
-              </a:ext>
-            </a:extLst>
-          </p:cNvPr>
+          <p:cNvPr id="13" name="직선 화살표 연결선 12"/>
           <p:cNvCxnSpPr/>
           <p:nvPr/>
         </p:nvCxnSpPr>
@@ -12101,13 +12061,7 @@
       </p:cxnSp>
       <p:cxnSp>
         <p:nvCxnSpPr>
-          <p:cNvPr id="14" name="직선 화살표 연결선 13">
-            <a:extLst>
-              <a:ext uri="{FF2B5EF4-FFF2-40B4-BE49-F238E27FC236}">
-                <a16:creationId xmlns:a16="http://schemas.microsoft.com/office/drawing/2014/main" id="{1693BC6C-13B1-4264-AC9E-721372C63B63}"/>
-              </a:ext>
-            </a:extLst>
-          </p:cNvPr>
+          <p:cNvPr id="14" name="직선 화살표 연결선 13"/>
           <p:cNvCxnSpPr/>
           <p:nvPr/>
         </p:nvCxnSpPr>
@@ -12140,13 +12094,7 @@
       </p:cxnSp>
       <p:cxnSp>
         <p:nvCxnSpPr>
-          <p:cNvPr id="15" name="직선 화살표 연결선 14">
-            <a:extLst>
-              <a:ext uri="{FF2B5EF4-FFF2-40B4-BE49-F238E27FC236}">
-                <a16:creationId xmlns:a16="http://schemas.microsoft.com/office/drawing/2014/main" id="{BDCB91EB-536A-4FF8-9D0D-C9D09C4ABBB6}"/>
-              </a:ext>
-            </a:extLst>
-          </p:cNvPr>
+          <p:cNvPr id="15" name="직선 화살표 연결선 14"/>
           <p:cNvCxnSpPr/>
           <p:nvPr/>
         </p:nvCxnSpPr>
@@ -12179,13 +12127,7 @@
       </p:cxnSp>
       <p:sp>
         <p:nvSpPr>
-          <p:cNvPr id="16" name="직사각형 15">
-            <a:extLst>
-              <a:ext uri="{FF2B5EF4-FFF2-40B4-BE49-F238E27FC236}">
-                <a16:creationId xmlns:a16="http://schemas.microsoft.com/office/drawing/2014/main" id="{B2E49F3D-E0FF-40D5-8DC4-9E12709E72A3}"/>
-              </a:ext>
-            </a:extLst>
-          </p:cNvPr>
+          <p:cNvPr id="16" name="직사각형 15"/>
           <p:cNvSpPr/>
           <p:nvPr/>
         </p:nvSpPr>
@@ -12218,23 +12160,19 @@
           </a:fontRef>
         </p:style>
         <p:txBody>
-          <a:bodyPr rtlCol="0" anchor="ctr"/>
+          <a:bodyPr anchor="ctr"/>
           <a:lstStyle/>
           <a:p>
-            <a:pPr algn="ctr"/>
+            <a:pPr algn="ctr">
+              <a:defRPr lang="ko-KR" altLang="en-US"/>
+            </a:pPr>
             <a:endParaRPr lang="ko-KR" altLang="en-US"/>
           </a:p>
         </p:txBody>
       </p:sp>
       <p:sp>
         <p:nvSpPr>
-          <p:cNvPr id="17" name="직사각형 16">
-            <a:extLst>
-              <a:ext uri="{FF2B5EF4-FFF2-40B4-BE49-F238E27FC236}">
-                <a16:creationId xmlns:a16="http://schemas.microsoft.com/office/drawing/2014/main" id="{C2D0C2BB-F837-434E-9BC8-6779526D81ED}"/>
-              </a:ext>
-            </a:extLst>
-          </p:cNvPr>
+          <p:cNvPr id="17" name="직사각형 16"/>
           <p:cNvSpPr/>
           <p:nvPr/>
         </p:nvSpPr>
@@ -12270,23 +12208,19 @@
           </a:fontRef>
         </p:style>
         <p:txBody>
-          <a:bodyPr rtlCol="0" anchor="ctr"/>
+          <a:bodyPr anchor="ctr"/>
           <a:lstStyle/>
           <a:p>
-            <a:pPr algn="ctr"/>
+            <a:pPr algn="ctr">
+              <a:defRPr lang="ko-KR" altLang="en-US"/>
+            </a:pPr>
             <a:endParaRPr lang="ko-KR" altLang="en-US"/>
           </a:p>
         </p:txBody>
       </p:sp>
       <p:sp>
         <p:nvSpPr>
-          <p:cNvPr id="18" name="직사각형 17">
-            <a:extLst>
-              <a:ext uri="{FF2B5EF4-FFF2-40B4-BE49-F238E27FC236}">
-                <a16:creationId xmlns:a16="http://schemas.microsoft.com/office/drawing/2014/main" id="{6B92D215-8F56-4080-A5D9-0DBCCDB7F9E8}"/>
-              </a:ext>
-            </a:extLst>
-          </p:cNvPr>
+          <p:cNvPr id="18" name="직사각형 17"/>
           <p:cNvSpPr/>
           <p:nvPr/>
         </p:nvSpPr>
@@ -12325,23 +12259,19 @@
           </a:fontRef>
         </p:style>
         <p:txBody>
-          <a:bodyPr rtlCol="0" anchor="ctr"/>
+          <a:bodyPr anchor="ctr"/>
           <a:lstStyle/>
           <a:p>
-            <a:pPr algn="ctr"/>
+            <a:pPr algn="ctr">
+              <a:defRPr lang="ko-KR" altLang="en-US"/>
+            </a:pPr>
             <a:endParaRPr lang="ko-KR" altLang="en-US"/>
           </a:p>
         </p:txBody>
       </p:sp>
       <p:sp>
         <p:nvSpPr>
-          <p:cNvPr id="19" name="직사각형 18">
-            <a:extLst>
-              <a:ext uri="{FF2B5EF4-FFF2-40B4-BE49-F238E27FC236}">
-                <a16:creationId xmlns:a16="http://schemas.microsoft.com/office/drawing/2014/main" id="{DDFC67A1-F093-469B-8127-E91C56C97435}"/>
-              </a:ext>
-            </a:extLst>
-          </p:cNvPr>
+          <p:cNvPr id="19" name="직사각형 18"/>
           <p:cNvSpPr/>
           <p:nvPr/>
         </p:nvSpPr>
@@ -12379,23 +12309,19 @@
           </a:fontRef>
         </p:style>
         <p:txBody>
-          <a:bodyPr rtlCol="0" anchor="ctr"/>
+          <a:bodyPr anchor="ctr"/>
           <a:lstStyle/>
           <a:p>
-            <a:pPr algn="ctr"/>
+            <a:pPr algn="ctr">
+              <a:defRPr lang="ko-KR" altLang="en-US"/>
+            </a:pPr>
             <a:endParaRPr lang="ko-KR" altLang="en-US"/>
           </a:p>
         </p:txBody>
       </p:sp>
       <p:sp>
         <p:nvSpPr>
-          <p:cNvPr id="20" name="직사각형 19">
-            <a:extLst>
-              <a:ext uri="{FF2B5EF4-FFF2-40B4-BE49-F238E27FC236}">
-                <a16:creationId xmlns:a16="http://schemas.microsoft.com/office/drawing/2014/main" id="{29D94ED5-9F75-437F-830E-480AFC2D5096}"/>
-              </a:ext>
-            </a:extLst>
-          </p:cNvPr>
+          <p:cNvPr id="20" name="직사각형 19"/>
           <p:cNvSpPr/>
           <p:nvPr/>
         </p:nvSpPr>
@@ -12425,34 +12351,30 @@
           </a:fontRef>
         </p:style>
         <p:txBody>
-          <a:bodyPr rtlCol="0" anchor="ctr"/>
+          <a:bodyPr anchor="ctr"/>
           <a:lstStyle/>
           <a:p>
-            <a:pPr algn="ctr"/>
-            <a:r>
-              <a:rPr lang="en-US" altLang="ko-KR" sz="1600" dirty="0"/>
+            <a:pPr algn="ctr">
+              <a:defRPr lang="ko-KR" altLang="en-US"/>
+            </a:pPr>
+            <a:r>
+              <a:rPr lang="en-US" altLang="ko-KR" sz="1600"/>
               <a:t>Transaction</a:t>
             </a:r>
-            <a:endParaRPr lang="ko-KR" altLang="en-US" sz="1600" dirty="0"/>
+            <a:endParaRPr lang="ko-KR" altLang="en-US" sz="1600"/>
           </a:p>
         </p:txBody>
       </p:sp>
       <p:sp>
         <p:nvSpPr>
-          <p:cNvPr id="21" name="TextBox 20">
-            <a:extLst>
-              <a:ext uri="{FF2B5EF4-FFF2-40B4-BE49-F238E27FC236}">
-                <a16:creationId xmlns:a16="http://schemas.microsoft.com/office/drawing/2014/main" id="{EF55ADA1-FB16-4A1E-AB81-6C52AE22E3A1}"/>
-              </a:ext>
-            </a:extLst>
-          </p:cNvPr>
+          <p:cNvPr id="21" name="TextBox 20"/>
           <p:cNvSpPr txBox="1"/>
           <p:nvPr/>
         </p:nvSpPr>
         <p:spPr>
           <a:xfrm>
-            <a:off x="5147056" y="3276380"/>
-            <a:ext cx="396262" cy="369332"/>
+            <a:off x="5128260" y="3276380"/>
+            <a:ext cx="421005" cy="369332"/>
           </a:xfrm>
           <a:prstGeom prst="rect">
             <a:avLst/>
@@ -12460,41 +12382,37 @@
           <a:noFill/>
         </p:spPr>
         <p:txBody>
-          <a:bodyPr wrap="none" rtlCol="0">
+          <a:bodyPr wrap="none">
             <a:spAutoFit/>
           </a:bodyPr>
           <a:lstStyle/>
           <a:p>
-            <a:pPr algn="ctr"/>
-            <a:r>
-              <a:rPr lang="en-US" altLang="ko-KR" dirty="0">
+            <a:pPr algn="ctr">
+              <a:defRPr lang="ko-KR" altLang="en-US"/>
+            </a:pPr>
+            <a:r>
+              <a:rPr lang="en-US" altLang="ko-KR">
                 <a:solidFill>
                   <a:schemeClr val="bg1"/>
                 </a:solidFill>
-                <a:latin typeface="배달의민족 도현" panose="020B0600000101010101" pitchFamily="50" charset="-127"/>
-                <a:ea typeface="배달의민족 도현" panose="020B0600000101010101" pitchFamily="50" charset="-127"/>
+                <a:latin typeface="배달의민족 도현"/>
+                <a:ea typeface="배달의민족 도현"/>
               </a:rPr>
               <a:t>…</a:t>
             </a:r>
-            <a:endParaRPr lang="ko-KR" altLang="en-US" dirty="0">
+            <a:endParaRPr lang="ko-KR" altLang="en-US">
               <a:solidFill>
                 <a:schemeClr val="bg1"/>
               </a:solidFill>
-              <a:latin typeface="배달의민족 도현" panose="020B0600000101010101" pitchFamily="50" charset="-127"/>
-              <a:ea typeface="배달의민족 도현" panose="020B0600000101010101" pitchFamily="50" charset="-127"/>
+              <a:latin typeface="배달의민족 도현"/>
+              <a:ea typeface="배달의민족 도현"/>
             </a:endParaRPr>
           </a:p>
         </p:txBody>
       </p:sp>
       <p:sp>
         <p:nvSpPr>
-          <p:cNvPr id="22" name="직사각형 21">
-            <a:extLst>
-              <a:ext uri="{FF2B5EF4-FFF2-40B4-BE49-F238E27FC236}">
-                <a16:creationId xmlns:a16="http://schemas.microsoft.com/office/drawing/2014/main" id="{C09A37D7-BB97-4E27-9CF8-72604F1CF0BA}"/>
-              </a:ext>
-            </a:extLst>
-          </p:cNvPr>
+          <p:cNvPr id="22" name="직사각형 21"/>
           <p:cNvSpPr/>
           <p:nvPr/>
         </p:nvSpPr>
@@ -12524,27 +12442,23 @@
           </a:fontRef>
         </p:style>
         <p:txBody>
-          <a:bodyPr rtlCol="0" anchor="ctr"/>
+          <a:bodyPr anchor="ctr"/>
           <a:lstStyle/>
           <a:p>
-            <a:pPr algn="ctr"/>
-            <a:r>
-              <a:rPr lang="en-US" altLang="ko-KR" sz="1600" dirty="0"/>
+            <a:pPr algn="ctr">
+              <a:defRPr lang="ko-KR" altLang="en-US"/>
+            </a:pPr>
+            <a:r>
+              <a:rPr lang="en-US" altLang="ko-KR" sz="1600"/>
               <a:t>Transaction</a:t>
             </a:r>
-            <a:endParaRPr lang="ko-KR" altLang="en-US" sz="1600" dirty="0"/>
+            <a:endParaRPr lang="ko-KR" altLang="en-US" sz="1600"/>
           </a:p>
         </p:txBody>
       </p:sp>
       <p:sp>
         <p:nvSpPr>
-          <p:cNvPr id="23" name="직사각형 22">
-            <a:extLst>
-              <a:ext uri="{FF2B5EF4-FFF2-40B4-BE49-F238E27FC236}">
-                <a16:creationId xmlns:a16="http://schemas.microsoft.com/office/drawing/2014/main" id="{5C215DEF-3EBD-460E-ACF5-952E60BBE9D2}"/>
-              </a:ext>
-            </a:extLst>
-          </p:cNvPr>
+          <p:cNvPr id="23" name="직사각형 22"/>
           <p:cNvSpPr/>
           <p:nvPr/>
         </p:nvSpPr>
@@ -12574,27 +12488,23 @@
           </a:fontRef>
         </p:style>
         <p:txBody>
-          <a:bodyPr rtlCol="0" anchor="ctr"/>
+          <a:bodyPr anchor="ctr"/>
           <a:lstStyle/>
           <a:p>
-            <a:pPr algn="ctr"/>
-            <a:r>
-              <a:rPr lang="en-US" altLang="ko-KR" sz="1600" dirty="0"/>
+            <a:pPr algn="ctr">
+              <a:defRPr lang="ko-KR" altLang="en-US"/>
+            </a:pPr>
+            <a:r>
+              <a:rPr lang="en-US" altLang="ko-KR" sz="1600"/>
               <a:t>Transaction</a:t>
             </a:r>
-            <a:endParaRPr lang="ko-KR" altLang="en-US" sz="1600" dirty="0"/>
+            <a:endParaRPr lang="ko-KR" altLang="en-US" sz="1600"/>
           </a:p>
         </p:txBody>
       </p:sp>
       <p:sp>
         <p:nvSpPr>
-          <p:cNvPr id="24" name="직사각형 23">
-            <a:extLst>
-              <a:ext uri="{FF2B5EF4-FFF2-40B4-BE49-F238E27FC236}">
-                <a16:creationId xmlns:a16="http://schemas.microsoft.com/office/drawing/2014/main" id="{C245BC84-18BA-4A5F-A789-E44479A4CA88}"/>
-              </a:ext>
-            </a:extLst>
-          </p:cNvPr>
+          <p:cNvPr id="24" name="직사각형 23"/>
           <p:cNvSpPr/>
           <p:nvPr/>
         </p:nvSpPr>
@@ -12632,27 +12542,23 @@
           </a:fontRef>
         </p:style>
         <p:txBody>
-          <a:bodyPr rtlCol="0" anchor="ctr"/>
+          <a:bodyPr anchor="ctr"/>
           <a:lstStyle/>
           <a:p>
-            <a:pPr algn="ctr"/>
-            <a:r>
-              <a:rPr lang="en-US" altLang="ko-KR" sz="1600" dirty="0"/>
+            <a:pPr algn="ctr">
+              <a:defRPr lang="ko-KR" altLang="en-US"/>
+            </a:pPr>
+            <a:r>
+              <a:rPr lang="en-US" altLang="ko-KR" sz="1600"/>
               <a:t>Tran-Hash</a:t>
             </a:r>
-            <a:endParaRPr lang="ko-KR" altLang="en-US" sz="1600" dirty="0"/>
+            <a:endParaRPr lang="ko-KR" altLang="en-US" sz="1600"/>
           </a:p>
         </p:txBody>
       </p:sp>
       <p:sp>
         <p:nvSpPr>
-          <p:cNvPr id="25" name="직사각형 24">
-            <a:extLst>
-              <a:ext uri="{FF2B5EF4-FFF2-40B4-BE49-F238E27FC236}">
-                <a16:creationId xmlns:a16="http://schemas.microsoft.com/office/drawing/2014/main" id="{ACB3114F-29AE-4D98-8163-1A1048B4B7AA}"/>
-              </a:ext>
-            </a:extLst>
-          </p:cNvPr>
+          <p:cNvPr id="25" name="직사각형 24"/>
           <p:cNvSpPr/>
           <p:nvPr/>
         </p:nvSpPr>
@@ -12690,27 +12596,23 @@
           </a:fontRef>
         </p:style>
         <p:txBody>
-          <a:bodyPr rtlCol="0" anchor="ctr"/>
+          <a:bodyPr anchor="ctr"/>
           <a:lstStyle/>
           <a:p>
-            <a:pPr algn="ctr"/>
-            <a:r>
-              <a:rPr lang="en-US" altLang="ko-KR" sz="1600" dirty="0"/>
+            <a:pPr algn="ctr">
+              <a:defRPr lang="ko-KR" altLang="en-US"/>
+            </a:pPr>
+            <a:r>
+              <a:rPr lang="en-US" altLang="ko-KR" sz="1600"/>
               <a:t>Tran-Hash</a:t>
             </a:r>
-            <a:endParaRPr lang="ko-KR" altLang="en-US" sz="1600" dirty="0"/>
+            <a:endParaRPr lang="ko-KR" altLang="en-US" sz="1600"/>
           </a:p>
         </p:txBody>
       </p:sp>
       <p:sp>
         <p:nvSpPr>
-          <p:cNvPr id="26" name="직사각형 25">
-            <a:extLst>
-              <a:ext uri="{FF2B5EF4-FFF2-40B4-BE49-F238E27FC236}">
-                <a16:creationId xmlns:a16="http://schemas.microsoft.com/office/drawing/2014/main" id="{E1A93C9B-5BC2-49F4-8478-F3D592F342E4}"/>
-              </a:ext>
-            </a:extLst>
-          </p:cNvPr>
+          <p:cNvPr id="26" name="직사각형 25"/>
           <p:cNvSpPr/>
           <p:nvPr/>
         </p:nvSpPr>
@@ -12748,34 +12650,30 @@
           </a:fontRef>
         </p:style>
         <p:txBody>
-          <a:bodyPr rtlCol="0" anchor="ctr"/>
+          <a:bodyPr anchor="ctr"/>
           <a:lstStyle/>
           <a:p>
-            <a:pPr algn="ctr"/>
-            <a:r>
-              <a:rPr lang="en-US" altLang="ko-KR" sz="1600" dirty="0"/>
+            <a:pPr algn="ctr">
+              <a:defRPr lang="ko-KR" altLang="en-US"/>
+            </a:pPr>
+            <a:r>
+              <a:rPr lang="en-US" altLang="ko-KR" sz="1600"/>
               <a:t>Tran-Hash</a:t>
             </a:r>
-            <a:endParaRPr lang="ko-KR" altLang="en-US" sz="1600" dirty="0"/>
+            <a:endParaRPr lang="ko-KR" altLang="en-US" sz="1600"/>
           </a:p>
         </p:txBody>
       </p:sp>
       <p:sp>
         <p:nvSpPr>
-          <p:cNvPr id="27" name="TextBox 26">
-            <a:extLst>
-              <a:ext uri="{FF2B5EF4-FFF2-40B4-BE49-F238E27FC236}">
-                <a16:creationId xmlns:a16="http://schemas.microsoft.com/office/drawing/2014/main" id="{EF13AE38-ED7A-4BB2-8E87-BC5FA0D1B7B3}"/>
-              </a:ext>
-            </a:extLst>
-          </p:cNvPr>
+          <p:cNvPr id="27" name="TextBox 26"/>
           <p:cNvSpPr txBox="1"/>
           <p:nvPr/>
         </p:nvSpPr>
         <p:spPr>
           <a:xfrm>
-            <a:off x="5147056" y="3975276"/>
-            <a:ext cx="396262" cy="369332"/>
+            <a:off x="5128260" y="3975276"/>
+            <a:ext cx="421005" cy="369332"/>
           </a:xfrm>
           <a:prstGeom prst="rect">
             <a:avLst/>
@@ -12783,41 +12681,37 @@
           <a:noFill/>
         </p:spPr>
         <p:txBody>
-          <a:bodyPr wrap="none" rtlCol="0">
+          <a:bodyPr wrap="none">
             <a:spAutoFit/>
           </a:bodyPr>
           <a:lstStyle/>
           <a:p>
-            <a:pPr algn="ctr"/>
-            <a:r>
-              <a:rPr lang="en-US" altLang="ko-KR" dirty="0">
+            <a:pPr algn="ctr">
+              <a:defRPr lang="ko-KR" altLang="en-US"/>
+            </a:pPr>
+            <a:r>
+              <a:rPr lang="en-US" altLang="ko-KR">
                 <a:solidFill>
                   <a:schemeClr val="bg1"/>
                 </a:solidFill>
-                <a:latin typeface="배달의민족 도현" panose="020B0600000101010101" pitchFamily="50" charset="-127"/>
-                <a:ea typeface="배달의민족 도현" panose="020B0600000101010101" pitchFamily="50" charset="-127"/>
+                <a:latin typeface="배달의민족 도현"/>
+                <a:ea typeface="배달의민족 도현"/>
               </a:rPr>
               <a:t>…</a:t>
             </a:r>
-            <a:endParaRPr lang="ko-KR" altLang="en-US" dirty="0">
+            <a:endParaRPr lang="ko-KR" altLang="en-US">
               <a:solidFill>
                 <a:schemeClr val="bg1"/>
               </a:solidFill>
-              <a:latin typeface="배달의민족 도현" panose="020B0600000101010101" pitchFamily="50" charset="-127"/>
-              <a:ea typeface="배달의민족 도현" panose="020B0600000101010101" pitchFamily="50" charset="-127"/>
+              <a:latin typeface="배달의민족 도현"/>
+              <a:ea typeface="배달의민족 도현"/>
             </a:endParaRPr>
           </a:p>
         </p:txBody>
       </p:sp>
       <p:cxnSp>
         <p:nvCxnSpPr>
-          <p:cNvPr id="28" name="직선 화살표 연결선 27">
-            <a:extLst>
-              <a:ext uri="{FF2B5EF4-FFF2-40B4-BE49-F238E27FC236}">
-                <a16:creationId xmlns:a16="http://schemas.microsoft.com/office/drawing/2014/main" id="{B3853F71-61B3-480C-AFB0-547712DA6B30}"/>
-              </a:ext>
-            </a:extLst>
-          </p:cNvPr>
+          <p:cNvPr id="28" name="직선 화살표 연결선 27"/>
           <p:cNvCxnSpPr>
             <a:stCxn id="20" idx="2"/>
             <a:endCxn id="24" idx="0"/>
@@ -12856,13 +12750,7 @@
       </p:cxnSp>
       <p:cxnSp>
         <p:nvCxnSpPr>
-          <p:cNvPr id="29" name="직선 화살표 연결선 28">
-            <a:extLst>
-              <a:ext uri="{FF2B5EF4-FFF2-40B4-BE49-F238E27FC236}">
-                <a16:creationId xmlns:a16="http://schemas.microsoft.com/office/drawing/2014/main" id="{7B9A74A1-0FED-418D-8329-49774E329CDA}"/>
-              </a:ext>
-            </a:extLst>
-          </p:cNvPr>
+          <p:cNvPr id="29" name="직선 화살표 연결선 28"/>
           <p:cNvCxnSpPr/>
           <p:nvPr/>
         </p:nvCxnSpPr>
@@ -12898,13 +12786,7 @@
       </p:cxnSp>
       <p:cxnSp>
         <p:nvCxnSpPr>
-          <p:cNvPr id="30" name="직선 화살표 연결선 29">
-            <a:extLst>
-              <a:ext uri="{FF2B5EF4-FFF2-40B4-BE49-F238E27FC236}">
-                <a16:creationId xmlns:a16="http://schemas.microsoft.com/office/drawing/2014/main" id="{44C73610-104D-4523-8083-3954CD446968}"/>
-              </a:ext>
-            </a:extLst>
-          </p:cNvPr>
+          <p:cNvPr id="30" name="직선 화살표 연결선 29"/>
           <p:cNvCxnSpPr/>
           <p:nvPr/>
         </p:nvCxnSpPr>
@@ -12940,13 +12822,7 @@
       </p:cxnSp>
       <p:sp>
         <p:nvSpPr>
-          <p:cNvPr id="31" name="직사각형 30">
-            <a:extLst>
-              <a:ext uri="{FF2B5EF4-FFF2-40B4-BE49-F238E27FC236}">
-                <a16:creationId xmlns:a16="http://schemas.microsoft.com/office/drawing/2014/main" id="{0D2C7589-D3C9-474A-B59E-191D8BE0B6A4}"/>
-              </a:ext>
-            </a:extLst>
-          </p:cNvPr>
+          <p:cNvPr id="31" name="직사각형 30"/>
           <p:cNvSpPr/>
           <p:nvPr/>
         </p:nvSpPr>
@@ -12984,27 +12860,23 @@
           </a:fontRef>
         </p:style>
         <p:txBody>
-          <a:bodyPr rtlCol="0" anchor="ctr"/>
+          <a:bodyPr anchor="ctr"/>
           <a:lstStyle/>
           <a:p>
-            <a:pPr algn="ctr"/>
-            <a:r>
-              <a:rPr lang="en-US" altLang="ko-KR" sz="1600" dirty="0"/>
+            <a:pPr algn="ctr">
+              <a:defRPr lang="ko-KR" altLang="en-US"/>
+            </a:pPr>
+            <a:r>
+              <a:rPr lang="en-US" altLang="ko-KR" sz="1600"/>
               <a:t>Root-Hash</a:t>
             </a:r>
-            <a:endParaRPr lang="ko-KR" altLang="en-US" sz="1600" dirty="0"/>
+            <a:endParaRPr lang="ko-KR" altLang="en-US" sz="1600"/>
           </a:p>
         </p:txBody>
       </p:sp>
       <p:cxnSp>
         <p:nvCxnSpPr>
-          <p:cNvPr id="32" name="직선 화살표 연결선 31">
-            <a:extLst>
-              <a:ext uri="{FF2B5EF4-FFF2-40B4-BE49-F238E27FC236}">
-                <a16:creationId xmlns:a16="http://schemas.microsoft.com/office/drawing/2014/main" id="{770D5869-7ADB-44BF-BCB0-F24E60425345}"/>
-              </a:ext>
-            </a:extLst>
-          </p:cNvPr>
+          <p:cNvPr id="32" name="직선 화살표 연결선 31"/>
           <p:cNvCxnSpPr>
             <a:stCxn id="24" idx="2"/>
             <a:endCxn id="31" idx="0"/>
@@ -13043,13 +12915,7 @@
       </p:cxnSp>
       <p:cxnSp>
         <p:nvCxnSpPr>
-          <p:cNvPr id="33" name="직선 화살표 연결선 32">
-            <a:extLst>
-              <a:ext uri="{FF2B5EF4-FFF2-40B4-BE49-F238E27FC236}">
-                <a16:creationId xmlns:a16="http://schemas.microsoft.com/office/drawing/2014/main" id="{280E8E9E-D59E-4DCE-A88D-215B0C643D01}"/>
-              </a:ext>
-            </a:extLst>
-          </p:cNvPr>
+          <p:cNvPr id="33" name="직선 화살표 연결선 32"/>
           <p:cNvCxnSpPr>
             <a:stCxn id="25" idx="2"/>
             <a:endCxn id="31" idx="0"/>
@@ -13088,13 +12954,7 @@
       </p:cxnSp>
       <p:cxnSp>
         <p:nvCxnSpPr>
-          <p:cNvPr id="34" name="직선 화살표 연결선 33">
-            <a:extLst>
-              <a:ext uri="{FF2B5EF4-FFF2-40B4-BE49-F238E27FC236}">
-                <a16:creationId xmlns:a16="http://schemas.microsoft.com/office/drawing/2014/main" id="{FB646C8D-2BD5-44A7-8D1D-D7611C0EF8E9}"/>
-              </a:ext>
-            </a:extLst>
-          </p:cNvPr>
+          <p:cNvPr id="34" name="직선 화살표 연결선 33"/>
           <p:cNvCxnSpPr>
             <a:stCxn id="26" idx="2"/>
             <a:endCxn id="31" idx="0"/>
@@ -13133,13 +12993,7 @@
       </p:cxnSp>
       <p:sp>
         <p:nvSpPr>
-          <p:cNvPr id="35" name="직사각형 34">
-            <a:extLst>
-              <a:ext uri="{FF2B5EF4-FFF2-40B4-BE49-F238E27FC236}">
-                <a16:creationId xmlns:a16="http://schemas.microsoft.com/office/drawing/2014/main" id="{B0C37016-CF77-4645-9C85-29F64E2E2F0B}"/>
-              </a:ext>
-            </a:extLst>
-          </p:cNvPr>
+          <p:cNvPr id="35" name="직사각형 34"/>
           <p:cNvSpPr/>
           <p:nvPr/>
         </p:nvSpPr>
@@ -13177,27 +13031,23 @@
           </a:fontRef>
         </p:style>
         <p:txBody>
-          <a:bodyPr rtlCol="0" anchor="ctr"/>
+          <a:bodyPr anchor="ctr"/>
           <a:lstStyle/>
           <a:p>
-            <a:pPr algn="ctr"/>
-            <a:r>
-              <a:rPr lang="en-US" altLang="ko-KR" sz="1600" dirty="0"/>
+            <a:pPr algn="ctr">
+              <a:defRPr lang="ko-KR" altLang="en-US"/>
+            </a:pPr>
+            <a:r>
+              <a:rPr lang="en-US" altLang="ko-KR" sz="1600"/>
               <a:t>Root-Hash</a:t>
             </a:r>
-            <a:endParaRPr lang="ko-KR" altLang="en-US" sz="1600" dirty="0"/>
+            <a:endParaRPr lang="ko-KR" altLang="en-US" sz="1600"/>
           </a:p>
         </p:txBody>
       </p:sp>
       <p:sp>
         <p:nvSpPr>
-          <p:cNvPr id="36" name="직사각형 35">
-            <a:extLst>
-              <a:ext uri="{FF2B5EF4-FFF2-40B4-BE49-F238E27FC236}">
-                <a16:creationId xmlns:a16="http://schemas.microsoft.com/office/drawing/2014/main" id="{1B08FBAB-576E-4C84-BE3A-7A13C7EB066F}"/>
-              </a:ext>
-            </a:extLst>
-          </p:cNvPr>
+          <p:cNvPr id="36" name="직사각형 35"/>
           <p:cNvSpPr/>
           <p:nvPr/>
         </p:nvSpPr>
@@ -13210,7 +13060,7 @@
             <a:avLst/>
           </a:prstGeom>
           <a:solidFill>
-            <a:srgbClr val="FF0000"/>
+            <a:srgbClr val="ff0000"/>
           </a:solidFill>
           <a:ln>
             <a:noFill/>
@@ -13233,27 +13083,23 @@
           </a:fontRef>
         </p:style>
         <p:txBody>
-          <a:bodyPr rtlCol="0" anchor="ctr"/>
+          <a:bodyPr anchor="ctr"/>
           <a:lstStyle/>
           <a:p>
-            <a:pPr algn="ctr"/>
-            <a:r>
-              <a:rPr lang="en-US" altLang="ko-KR" sz="1600" dirty="0"/>
+            <a:pPr algn="ctr">
+              <a:defRPr lang="ko-KR" altLang="en-US"/>
+            </a:pPr>
+            <a:r>
+              <a:rPr lang="en-US" altLang="ko-KR" sz="1600"/>
               <a:t>Nonce</a:t>
             </a:r>
-            <a:endParaRPr lang="ko-KR" altLang="en-US" sz="1600" dirty="0"/>
+            <a:endParaRPr lang="ko-KR" altLang="en-US" sz="1600"/>
           </a:p>
         </p:txBody>
       </p:sp>
       <p:sp>
         <p:nvSpPr>
-          <p:cNvPr id="37" name="직사각형 36">
-            <a:extLst>
-              <a:ext uri="{FF2B5EF4-FFF2-40B4-BE49-F238E27FC236}">
-                <a16:creationId xmlns:a16="http://schemas.microsoft.com/office/drawing/2014/main" id="{8626651A-8AB3-4234-B4D3-CFA63A5C3F09}"/>
-              </a:ext>
-            </a:extLst>
-          </p:cNvPr>
+          <p:cNvPr id="37" name="직사각형 36"/>
           <p:cNvSpPr/>
           <p:nvPr/>
         </p:nvSpPr>
@@ -13266,7 +13112,7 @@
             <a:avLst/>
           </a:prstGeom>
           <a:solidFill>
-            <a:srgbClr val="00B0F0"/>
+            <a:srgbClr val="00b0f0"/>
           </a:solidFill>
           <a:ln>
             <a:noFill/>
@@ -13289,31 +13135,23 @@
           </a:fontRef>
         </p:style>
         <p:txBody>
-          <a:bodyPr rtlCol="0" anchor="ctr"/>
+          <a:bodyPr anchor="ctr"/>
           <a:lstStyle/>
           <a:p>
-            <a:pPr algn="ctr"/>
-            <a:r>
-              <a:rPr lang="en-US" altLang="ko-KR" sz="1600" dirty="0" err="1"/>
-              <a:t>Prev</a:t>
-            </a:r>
-            <a:r>
-              <a:rPr lang="en-US" altLang="ko-KR" sz="1600" dirty="0"/>
-              <a:t>-Hash</a:t>
-            </a:r>
-            <a:endParaRPr lang="ko-KR" altLang="en-US" sz="1600" dirty="0"/>
+            <a:pPr algn="ctr">
+              <a:defRPr lang="ko-KR" altLang="en-US"/>
+            </a:pPr>
+            <a:r>
+              <a:rPr lang="en-US" altLang="ko-KR" sz="1600"/>
+              <a:t>Prev-Hash</a:t>
+            </a:r>
+            <a:endParaRPr lang="ko-KR" altLang="en-US" sz="1600"/>
           </a:p>
         </p:txBody>
       </p:sp>
       <p:sp>
         <p:nvSpPr>
-          <p:cNvPr id="38" name="직사각형 37">
-            <a:extLst>
-              <a:ext uri="{FF2B5EF4-FFF2-40B4-BE49-F238E27FC236}">
-                <a16:creationId xmlns:a16="http://schemas.microsoft.com/office/drawing/2014/main" id="{B677C038-8AFF-4F67-8D11-3488002BDB25}"/>
-              </a:ext>
-            </a:extLst>
-          </p:cNvPr>
+          <p:cNvPr id="38" name="직사각형 37"/>
           <p:cNvSpPr/>
           <p:nvPr/>
         </p:nvSpPr>
@@ -13352,27 +13190,23 @@
           </a:fontRef>
         </p:style>
         <p:txBody>
-          <a:bodyPr rtlCol="0" anchor="ctr"/>
+          <a:bodyPr anchor="ctr"/>
           <a:lstStyle/>
           <a:p>
-            <a:pPr algn="ctr"/>
-            <a:r>
-              <a:rPr lang="en-US" altLang="ko-KR" sz="1600" dirty="0"/>
+            <a:pPr algn="ctr">
+              <a:defRPr lang="ko-KR" altLang="en-US"/>
+            </a:pPr>
+            <a:r>
+              <a:rPr lang="en-US" altLang="ko-KR" sz="1600"/>
               <a:t>version</a:t>
             </a:r>
-            <a:endParaRPr lang="ko-KR" altLang="en-US" sz="1600" dirty="0"/>
+            <a:endParaRPr lang="ko-KR" altLang="en-US" sz="1600"/>
           </a:p>
         </p:txBody>
       </p:sp>
       <p:sp>
         <p:nvSpPr>
-          <p:cNvPr id="39" name="직사각형 38">
-            <a:extLst>
-              <a:ext uri="{FF2B5EF4-FFF2-40B4-BE49-F238E27FC236}">
-                <a16:creationId xmlns:a16="http://schemas.microsoft.com/office/drawing/2014/main" id="{96A7C742-D17C-4C60-AB98-DE63EA912CF5}"/>
-              </a:ext>
-            </a:extLst>
-          </p:cNvPr>
+          <p:cNvPr id="39" name="직사각형 38"/>
           <p:cNvSpPr/>
           <p:nvPr/>
         </p:nvSpPr>
@@ -13411,27 +13245,23 @@
           </a:fontRef>
         </p:style>
         <p:txBody>
-          <a:bodyPr rtlCol="0" anchor="ctr"/>
+          <a:bodyPr anchor="ctr"/>
           <a:lstStyle/>
           <a:p>
-            <a:pPr algn="ctr"/>
-            <a:r>
-              <a:rPr lang="en-US" altLang="ko-KR" sz="1600" dirty="0"/>
+            <a:pPr algn="ctr">
+              <a:defRPr lang="ko-KR" altLang="en-US"/>
+            </a:pPr>
+            <a:r>
+              <a:rPr lang="en-US" altLang="ko-KR" sz="1600"/>
               <a:t>difficulty</a:t>
             </a:r>
-            <a:endParaRPr lang="ko-KR" altLang="en-US" sz="1600" dirty="0"/>
+            <a:endParaRPr lang="ko-KR" altLang="en-US" sz="1600"/>
           </a:p>
         </p:txBody>
       </p:sp>
       <p:sp>
         <p:nvSpPr>
-          <p:cNvPr id="40" name="직사각형 39">
-            <a:extLst>
-              <a:ext uri="{FF2B5EF4-FFF2-40B4-BE49-F238E27FC236}">
-                <a16:creationId xmlns:a16="http://schemas.microsoft.com/office/drawing/2014/main" id="{FB4BDE49-CC47-4F6E-B5A4-7A23836097A4}"/>
-              </a:ext>
-            </a:extLst>
-          </p:cNvPr>
+          <p:cNvPr id="40" name="직사각형 39"/>
           <p:cNvSpPr/>
           <p:nvPr/>
         </p:nvSpPr>
@@ -13470,27 +13300,23 @@
           </a:fontRef>
         </p:style>
         <p:txBody>
-          <a:bodyPr rtlCol="0" anchor="ctr"/>
+          <a:bodyPr anchor="ctr"/>
           <a:lstStyle/>
           <a:p>
-            <a:pPr algn="ctr"/>
-            <a:r>
-              <a:rPr lang="en-US" altLang="ko-KR" sz="1600" dirty="0"/>
+            <a:pPr algn="ctr">
+              <a:defRPr lang="ko-KR" altLang="en-US"/>
+            </a:pPr>
+            <a:r>
+              <a:rPr lang="en-US" altLang="ko-KR" sz="1600"/>
               <a:t>time</a:t>
             </a:r>
-            <a:endParaRPr lang="ko-KR" altLang="en-US" sz="1600" dirty="0"/>
+            <a:endParaRPr lang="ko-KR" altLang="en-US" sz="1600"/>
           </a:p>
         </p:txBody>
       </p:sp>
       <p:sp>
         <p:nvSpPr>
-          <p:cNvPr id="41" name="직사각형 40">
-            <a:extLst>
-              <a:ext uri="{FF2B5EF4-FFF2-40B4-BE49-F238E27FC236}">
-                <a16:creationId xmlns:a16="http://schemas.microsoft.com/office/drawing/2014/main" id="{E66EBF52-0400-4B36-B195-EF2975044DE1}"/>
-              </a:ext>
-            </a:extLst>
-          </p:cNvPr>
+          <p:cNvPr id="41" name="직사각형 40"/>
           <p:cNvSpPr/>
           <p:nvPr/>
         </p:nvSpPr>
@@ -13521,25 +13347,20 @@
           </a:fontRef>
         </p:style>
         <p:txBody>
-          <a:bodyPr rtlCol="0" anchor="ctr"/>
+          <a:bodyPr anchor="ctr"/>
           <a:lstStyle/>
           <a:p>
-            <a:pPr algn="ctr"/>
+            <a:pPr algn="ctr">
+              <a:defRPr lang="ko-KR" altLang="en-US"/>
+            </a:pPr>
             <a:endParaRPr lang="ko-KR" altLang="en-US"/>
           </a:p>
         </p:txBody>
       </p:sp>
       <p:cxnSp>
         <p:nvCxnSpPr>
-          <p:cNvPr id="42" name="직선 화살표 연결선 41">
-            <a:extLst>
-              <a:ext uri="{FF2B5EF4-FFF2-40B4-BE49-F238E27FC236}">
-                <a16:creationId xmlns:a16="http://schemas.microsoft.com/office/drawing/2014/main" id="{40E840DB-E16C-4F55-8BC1-A9DC13377565}"/>
-              </a:ext>
-            </a:extLst>
-          </p:cNvPr>
+          <p:cNvPr id="42" name="직선 화살표 연결선 41"/>
           <p:cNvCxnSpPr>
-            <a:cxnSpLocks/>
             <a:stCxn id="41" idx="3"/>
             <a:endCxn id="43" idx="1"/>
           </p:cNvCxnSpPr>
@@ -13577,13 +13398,7 @@
       </p:cxnSp>
       <p:sp>
         <p:nvSpPr>
-          <p:cNvPr id="43" name="직사각형 42">
-            <a:extLst>
-              <a:ext uri="{FF2B5EF4-FFF2-40B4-BE49-F238E27FC236}">
-                <a16:creationId xmlns:a16="http://schemas.microsoft.com/office/drawing/2014/main" id="{AA186838-EA3E-4D9D-B019-DF963AC284EE}"/>
-              </a:ext>
-            </a:extLst>
-          </p:cNvPr>
+          <p:cNvPr id="43" name="직사각형 42"/>
           <p:cNvSpPr/>
           <p:nvPr/>
         </p:nvSpPr>
@@ -13596,7 +13411,7 @@
             <a:avLst/>
           </a:prstGeom>
           <a:solidFill>
-            <a:srgbClr val="7030A0"/>
+            <a:srgbClr val="7030a0"/>
           </a:solidFill>
           <a:ln>
             <a:noFill/>
@@ -13619,34 +13434,30 @@
           </a:fontRef>
         </p:style>
         <p:txBody>
-          <a:bodyPr rtlCol="0" anchor="ctr"/>
+          <a:bodyPr anchor="ctr"/>
           <a:lstStyle/>
           <a:p>
-            <a:pPr algn="ctr"/>
-            <a:r>
-              <a:rPr lang="en-US" altLang="ko-KR" sz="1600" dirty="0"/>
+            <a:pPr algn="ctr">
+              <a:defRPr lang="ko-KR" altLang="en-US"/>
+            </a:pPr>
+            <a:r>
+              <a:rPr lang="en-US" altLang="ko-KR" sz="1600"/>
               <a:t>Block-Hash</a:t>
             </a:r>
-            <a:endParaRPr lang="ko-KR" altLang="en-US" sz="1600" dirty="0"/>
+            <a:endParaRPr lang="ko-KR" altLang="en-US" sz="1600"/>
           </a:p>
         </p:txBody>
       </p:sp>
       <p:sp>
         <p:nvSpPr>
-          <p:cNvPr id="44" name="TextBox 43">
-            <a:extLst>
-              <a:ext uri="{FF2B5EF4-FFF2-40B4-BE49-F238E27FC236}">
-                <a16:creationId xmlns:a16="http://schemas.microsoft.com/office/drawing/2014/main" id="{DA63D120-0759-40D2-AABD-6A5E5743333F}"/>
-              </a:ext>
-            </a:extLst>
-          </p:cNvPr>
+          <p:cNvPr id="44" name="TextBox 43"/>
           <p:cNvSpPr txBox="1"/>
           <p:nvPr/>
         </p:nvSpPr>
         <p:spPr>
           <a:xfrm>
-            <a:off x="8556771" y="1396334"/>
-            <a:ext cx="2884123" cy="2135200"/>
+            <a:off x="8576311" y="1396334"/>
+            <a:ext cx="2821305" cy="2145061"/>
           </a:xfrm>
           <a:prstGeom prst="rect">
             <a:avLst/>
@@ -13654,7 +13465,7 @@
           <a:noFill/>
         </p:spPr>
         <p:txBody>
-          <a:bodyPr wrap="none" rtlCol="0">
+          <a:bodyPr wrap="none">
             <a:spAutoFit/>
           </a:bodyPr>
           <a:lstStyle/>
@@ -13663,31 +13474,32 @@
               <a:lnSpc>
                 <a:spcPct val="150000"/>
               </a:lnSpc>
+              <a:defRPr lang="ko-KR" altLang="en-US"/>
             </a:pPr>
             <a:r>
-              <a:rPr lang="ko-KR" altLang="en-US" dirty="0">
-                <a:latin typeface="배달의민족 도현" panose="020B0600000101010101" pitchFamily="50" charset="-127"/>
-                <a:ea typeface="배달의민족 도현" panose="020B0600000101010101" pitchFamily="50" charset="-127"/>
+              <a:rPr lang="ko-KR" altLang="en-US">
+                <a:latin typeface="배달의민족 도현"/>
+                <a:ea typeface="배달의민족 도현"/>
               </a:rPr>
               <a:t>다양한 보상</a:t>
             </a:r>
             <a:r>
-              <a:rPr lang="en-US" altLang="ko-KR" dirty="0">
-                <a:latin typeface="배달의민족 도현" panose="020B0600000101010101" pitchFamily="50" charset="-127"/>
-                <a:ea typeface="배달의민족 도현" panose="020B0600000101010101" pitchFamily="50" charset="-127"/>
+              <a:rPr lang="en-US" altLang="ko-KR">
+                <a:latin typeface="배달의민족 도현"/>
+                <a:ea typeface="배달의민족 도현"/>
               </a:rPr>
               <a:t>/</a:t>
             </a:r>
             <a:r>
-              <a:rPr lang="ko-KR" altLang="en-US" dirty="0">
-                <a:latin typeface="배달의민족 도현" panose="020B0600000101010101" pitchFamily="50" charset="-127"/>
-                <a:ea typeface="배달의민족 도현" panose="020B0600000101010101" pitchFamily="50" charset="-127"/>
+              <a:rPr lang="ko-KR" altLang="en-US">
+                <a:latin typeface="배달의민족 도현"/>
+                <a:ea typeface="배달의민족 도현"/>
               </a:rPr>
               <a:t>합의 알고리즘</a:t>
             </a:r>
-            <a:endParaRPr lang="en-US" altLang="ko-KR" dirty="0">
-              <a:latin typeface="배달의민족 도현" panose="020B0600000101010101" pitchFamily="50" charset="-127"/>
-              <a:ea typeface="배달의민족 도현" panose="020B0600000101010101" pitchFamily="50" charset="-127"/>
+            <a:endParaRPr lang="ko-KR" altLang="en-US">
+              <a:latin typeface="배달의민족 도현"/>
+              <a:ea typeface="배달의민족 도현"/>
             </a:endParaRPr>
           </a:p>
           <a:p>
@@ -13695,87 +13507,97 @@
               <a:lnSpc>
                 <a:spcPct val="150000"/>
               </a:lnSpc>
-              <a:buFont typeface="Arial" panose="020B0604020202020204" pitchFamily="34" charset="0"/>
+              <a:buFont typeface="Arial"/>
               <a:buChar char="•"/>
+              <a:defRPr lang="ko-KR" altLang="en-US"/>
             </a:pPr>
             <a:r>
-              <a:rPr lang="en-US" altLang="ko-KR" dirty="0">
-                <a:latin typeface="배달의민족 도현" panose="020B0600000101010101" pitchFamily="50" charset="-127"/>
-                <a:ea typeface="배달의민족 도현" panose="020B0600000101010101" pitchFamily="50" charset="-127"/>
+              <a:rPr lang="en-US" altLang="ko-KR">
+                <a:latin typeface="배달의민족 도현"/>
+                <a:ea typeface="배달의민족 도현"/>
               </a:rPr>
               <a:t>Proof of Work</a:t>
             </a:r>
+            <a:endParaRPr lang="en-US" altLang="ko-KR">
+              <a:latin typeface="배달의민족 도현"/>
+              <a:ea typeface="배달의민족 도현"/>
+            </a:endParaRPr>
           </a:p>
           <a:p>
             <a:pPr marL="285750" indent="-285750">
               <a:lnSpc>
                 <a:spcPct val="150000"/>
               </a:lnSpc>
-              <a:buFont typeface="Arial" panose="020B0604020202020204" pitchFamily="34" charset="0"/>
+              <a:buFont typeface="Arial"/>
               <a:buChar char="•"/>
+              <a:defRPr lang="ko-KR" altLang="en-US"/>
             </a:pPr>
             <a:r>
-              <a:rPr lang="en-US" altLang="ko-KR" dirty="0">
-                <a:latin typeface="배달의민족 도현" panose="020B0600000101010101" pitchFamily="50" charset="-127"/>
-                <a:ea typeface="배달의민족 도현" panose="020B0600000101010101" pitchFamily="50" charset="-127"/>
+              <a:rPr lang="en-US" altLang="ko-KR">
+                <a:latin typeface="배달의민족 도현"/>
+                <a:ea typeface="배달의민족 도현"/>
               </a:rPr>
               <a:t>Proof of Stake</a:t>
             </a:r>
+            <a:endParaRPr lang="en-US" altLang="ko-KR">
+              <a:latin typeface="배달의민족 도현"/>
+              <a:ea typeface="배달의민족 도현"/>
+            </a:endParaRPr>
           </a:p>
           <a:p>
             <a:pPr marL="285750" indent="-285750">
               <a:lnSpc>
                 <a:spcPct val="150000"/>
               </a:lnSpc>
-              <a:buFont typeface="Arial" panose="020B0604020202020204" pitchFamily="34" charset="0"/>
+              <a:buFont typeface="Arial"/>
               <a:buChar char="•"/>
+              <a:defRPr lang="ko-KR" altLang="en-US"/>
             </a:pPr>
             <a:r>
-              <a:rPr lang="en-US" altLang="ko-KR" dirty="0">
-                <a:latin typeface="배달의민족 도현" panose="020B0600000101010101" pitchFamily="50" charset="-127"/>
-                <a:ea typeface="배달의민족 도현" panose="020B0600000101010101" pitchFamily="50" charset="-127"/>
+              <a:rPr lang="en-US" altLang="ko-KR">
+                <a:latin typeface="배달의민족 도현"/>
+                <a:ea typeface="배달의민족 도현"/>
               </a:rPr>
               <a:t>Proof of Authority</a:t>
             </a:r>
+            <a:endParaRPr lang="en-US" altLang="ko-KR">
+              <a:latin typeface="배달의민족 도현"/>
+              <a:ea typeface="배달의민족 도현"/>
+            </a:endParaRPr>
           </a:p>
           <a:p>
             <a:pPr marL="285750" indent="-285750">
               <a:lnSpc>
                 <a:spcPct val="150000"/>
               </a:lnSpc>
-              <a:buFont typeface="Arial" panose="020B0604020202020204" pitchFamily="34" charset="0"/>
+              <a:buFont typeface="Arial"/>
               <a:buChar char="•"/>
+              <a:defRPr lang="ko-KR" altLang="en-US"/>
             </a:pPr>
             <a:r>
-              <a:rPr lang="en-US" altLang="ko-KR" dirty="0">
-                <a:latin typeface="배달의민족 도현" panose="020B0600000101010101" pitchFamily="50" charset="-127"/>
-                <a:ea typeface="배달의민족 도현" panose="020B0600000101010101" pitchFamily="50" charset="-127"/>
+              <a:rPr lang="en-US" altLang="ko-KR">
+                <a:latin typeface="배달의민족 도현"/>
+                <a:ea typeface="배달의민족 도현"/>
               </a:rPr>
               <a:t>Proof of Importance</a:t>
             </a:r>
-            <a:endParaRPr lang="ko-KR" altLang="en-US" dirty="0">
-              <a:latin typeface="배달의민족 도현" panose="020B0600000101010101" pitchFamily="50" charset="-127"/>
-              <a:ea typeface="배달의민족 도현" panose="020B0600000101010101" pitchFamily="50" charset="-127"/>
+            <a:endParaRPr lang="ko-KR" altLang="en-US">
+              <a:latin typeface="배달의민족 도현"/>
+              <a:ea typeface="배달의민족 도현"/>
             </a:endParaRPr>
           </a:p>
         </p:txBody>
       </p:sp>
       <p:sp>
         <p:nvSpPr>
-          <p:cNvPr id="45" name="TextBox 44">
-            <a:extLst>
-              <a:ext uri="{FF2B5EF4-FFF2-40B4-BE49-F238E27FC236}">
-                <a16:creationId xmlns:a16="http://schemas.microsoft.com/office/drawing/2014/main" id="{68C09DA4-F232-4379-BCF8-F64DD9B32031}"/>
-              </a:ext>
-            </a:extLst>
-          </p:cNvPr>
+          <p:cNvPr id="45" name="TextBox 44"/>
           <p:cNvSpPr txBox="1"/>
           <p:nvPr/>
         </p:nvSpPr>
         <p:spPr>
           <a:xfrm>
-            <a:off x="8418912" y="3981767"/>
-            <a:ext cx="3159839" cy="1719702"/>
+            <a:off x="8595360" y="3981767"/>
+            <a:ext cx="2792730" cy="1731328"/>
           </a:xfrm>
           <a:prstGeom prst="rect">
             <a:avLst/>
@@ -13783,7 +13605,7 @@
           <a:noFill/>
         </p:spPr>
         <p:txBody>
-          <a:bodyPr wrap="none" rtlCol="0">
+          <a:bodyPr wrap="none">
             <a:spAutoFit/>
           </a:bodyPr>
           <a:lstStyle/>
@@ -13792,17 +13614,18 @@
               <a:lnSpc>
                 <a:spcPct val="150000"/>
               </a:lnSpc>
+              <a:defRPr lang="ko-KR" altLang="en-US"/>
             </a:pPr>
             <a:r>
-              <a:rPr lang="ko-KR" altLang="en-US" dirty="0">
-                <a:latin typeface="배달의민족 도현" panose="020B0600000101010101" pitchFamily="50" charset="-127"/>
-                <a:ea typeface="배달의민족 도현" panose="020B0600000101010101" pitchFamily="50" charset="-127"/>
+              <a:rPr lang="ko-KR" altLang="en-US">
+                <a:latin typeface="배달의민족 도현"/>
+                <a:ea typeface="배달의민족 도현"/>
               </a:rPr>
               <a:t>블록체인의 종류</a:t>
             </a:r>
-            <a:endParaRPr lang="en-US" altLang="ko-KR" dirty="0">
-              <a:latin typeface="배달의민족 도현" panose="020B0600000101010101" pitchFamily="50" charset="-127"/>
-              <a:ea typeface="배달의민족 도현" panose="020B0600000101010101" pitchFamily="50" charset="-127"/>
+            <a:endParaRPr lang="ko-KR" altLang="en-US">
+              <a:latin typeface="배달의민족 도현"/>
+              <a:ea typeface="배달의민족 도현"/>
             </a:endParaRPr>
           </a:p>
           <a:p>
@@ -13810,169 +13633,138 @@
               <a:lnSpc>
                 <a:spcPct val="150000"/>
               </a:lnSpc>
-              <a:buFont typeface="Arial" panose="020B0604020202020204" pitchFamily="34" charset="0"/>
+              <a:buFont typeface="Arial"/>
               <a:buChar char="•"/>
+              <a:defRPr lang="ko-KR" altLang="en-US"/>
             </a:pPr>
             <a:r>
-              <a:rPr lang="en-US" altLang="ko-KR" dirty="0">
-                <a:latin typeface="배달의민족 도현" panose="020B0600000101010101" pitchFamily="50" charset="-127"/>
-                <a:ea typeface="배달의민족 도현" panose="020B0600000101010101" pitchFamily="50" charset="-127"/>
+              <a:rPr lang="en-US" altLang="ko-KR">
+                <a:latin typeface="배달의민족 도현"/>
+                <a:ea typeface="배달의민족 도현"/>
               </a:rPr>
               <a:t>Private Blockchain</a:t>
             </a:r>
+            <a:endParaRPr lang="en-US" altLang="ko-KR">
+              <a:latin typeface="배달의민족 도현"/>
+              <a:ea typeface="배달의민족 도현"/>
+            </a:endParaRPr>
           </a:p>
           <a:p>
             <a:pPr marL="285750" indent="-285750">
               <a:lnSpc>
                 <a:spcPct val="150000"/>
               </a:lnSpc>
-              <a:buFont typeface="Arial" panose="020B0604020202020204" pitchFamily="34" charset="0"/>
+              <a:buFont typeface="Arial"/>
               <a:buChar char="•"/>
+              <a:defRPr lang="ko-KR" altLang="en-US"/>
             </a:pPr>
             <a:r>
-              <a:rPr lang="en-US" altLang="ko-KR" dirty="0">
-                <a:latin typeface="배달의민족 도현" panose="020B0600000101010101" pitchFamily="50" charset="-127"/>
-                <a:ea typeface="배달의민족 도현" panose="020B0600000101010101" pitchFamily="50" charset="-127"/>
+              <a:rPr lang="en-US" altLang="ko-KR">
+                <a:latin typeface="배달의민족 도현"/>
+                <a:ea typeface="배달의민족 도현"/>
               </a:rPr>
               <a:t>Public</a:t>
             </a:r>
             <a:r>
-              <a:rPr lang="ko-KR" altLang="en-US" dirty="0">
-                <a:latin typeface="배달의민족 도현" panose="020B0600000101010101" pitchFamily="50" charset="-127"/>
-                <a:ea typeface="배달의민족 도현" panose="020B0600000101010101" pitchFamily="50" charset="-127"/>
+              <a:rPr lang="ko-KR" altLang="en-US">
+                <a:latin typeface="배달의민족 도현"/>
+                <a:ea typeface="배달의민족 도현"/>
               </a:rPr>
               <a:t> </a:t>
             </a:r>
             <a:r>
-              <a:rPr lang="en-US" altLang="ko-KR" dirty="0">
-                <a:latin typeface="배달의민족 도현" panose="020B0600000101010101" pitchFamily="50" charset="-127"/>
-                <a:ea typeface="배달의민족 도현" panose="020B0600000101010101" pitchFamily="50" charset="-127"/>
+              <a:rPr lang="en-US" altLang="ko-KR">
+                <a:latin typeface="배달의민족 도현"/>
+                <a:ea typeface="배달의민족 도현"/>
               </a:rPr>
               <a:t>Blockchain</a:t>
             </a:r>
+            <a:endParaRPr lang="en-US" altLang="ko-KR">
+              <a:latin typeface="배달의민족 도현"/>
+              <a:ea typeface="배달의민족 도현"/>
+            </a:endParaRPr>
           </a:p>
           <a:p>
             <a:pPr marL="285750" indent="-285750">
               <a:lnSpc>
                 <a:spcPct val="150000"/>
               </a:lnSpc>
-              <a:buFont typeface="Arial" panose="020B0604020202020204" pitchFamily="34" charset="0"/>
+              <a:buFont typeface="Arial"/>
               <a:buChar char="•"/>
+              <a:defRPr lang="ko-KR" altLang="en-US"/>
             </a:pPr>
             <a:r>
-              <a:rPr lang="en-US" altLang="ko-KR" dirty="0">
-                <a:latin typeface="배달의민족 도현" panose="020B0600000101010101" pitchFamily="50" charset="-127"/>
-                <a:ea typeface="배달의민족 도현" panose="020B0600000101010101" pitchFamily="50" charset="-127"/>
+              <a:rPr lang="en-US" altLang="ko-KR">
+                <a:latin typeface="배달의민족 도현"/>
+                <a:ea typeface="배달의민족 도현"/>
               </a:rPr>
               <a:t>Consortium Blockchain</a:t>
             </a:r>
+            <a:endParaRPr lang="en-US" altLang="ko-KR">
+              <a:latin typeface="배달의민족 도현"/>
+              <a:ea typeface="배달의민족 도현"/>
+            </a:endParaRPr>
           </a:p>
         </p:txBody>
       </p:sp>
       <p:pic>
         <p:nvPicPr>
-          <p:cNvPr id="2050" name="Picture 2" descr="oì ëí ì´ë¯¸ì§ ê²ìê²°ê³¼">
-            <a:extLst>
-              <a:ext uri="{FF2B5EF4-FFF2-40B4-BE49-F238E27FC236}">
-                <a16:creationId xmlns:a16="http://schemas.microsoft.com/office/drawing/2014/main" id="{F975B0CD-5734-494A-902D-3FCFB086C1B2}"/>
-              </a:ext>
-            </a:extLst>
-          </p:cNvPr>
+          <p:cNvPr id="2050" name="Picture 2" descr="oì ëí ì´ë¯¸ì§ ê²ìê²°ê³¼"/>
           <p:cNvPicPr>
             <a:picLocks noChangeAspect="1" noChangeArrowheads="1"/>
           </p:cNvPicPr>
           <p:nvPr/>
         </p:nvPicPr>
-        <p:blipFill>
-          <a:blip r:embed="rId2" cstate="print">
-            <a:extLst>
-              <a:ext uri="{28A0092B-C50C-407E-A947-70E740481C1C}">
-                <a14:useLocalDpi xmlns:a14="http://schemas.microsoft.com/office/drawing/2010/main" val="0"/>
-              </a:ext>
-            </a:extLst>
-          </a:blip>
+        <p:blipFill rotWithShape="1">
+          <a:blip r:embed="rId2"/>
           <a:srcRect/>
           <a:stretch>
             <a:fillRect/>
           </a:stretch>
         </p:blipFill>
-        <p:spPr bwMode="auto">
+        <p:spPr>
           <a:xfrm>
-            <a:off x="8461697" y="2590251"/>
+            <a:off x="8474745" y="2707682"/>
             <a:ext cx="467040" cy="521347"/>
           </a:xfrm>
           <a:prstGeom prst="rect">
             <a:avLst/>
           </a:prstGeom>
           <a:noFill/>
-          <a:extLst>
-            <a:ext uri="{909E8E84-426E-40DD-AFC4-6F175D3DCCD1}">
-              <a14:hiddenFill xmlns:a14="http://schemas.microsoft.com/office/drawing/2010/main">
-                <a:solidFill>
-                  <a:srgbClr val="FFFFFF"/>
-                </a:solidFill>
-              </a14:hiddenFill>
-            </a:ext>
-          </a:extLst>
         </p:spPr>
       </p:pic>
       <p:pic>
         <p:nvPicPr>
-          <p:cNvPr id="48" name="Picture 2" descr="oì ëí ì´ë¯¸ì§ ê²ìê²°ê³¼">
-            <a:extLst>
-              <a:ext uri="{FF2B5EF4-FFF2-40B4-BE49-F238E27FC236}">
-                <a16:creationId xmlns:a16="http://schemas.microsoft.com/office/drawing/2014/main" id="{D7D687A5-C694-4A4C-A9E1-CDE1F361812D}"/>
-              </a:ext>
-            </a:extLst>
-          </p:cNvPr>
+          <p:cNvPr id="48" name="Picture 2" descr="oì ëí ì´ë¯¸ì§ ê²ìê²°ê³¼"/>
           <p:cNvPicPr>
             <a:picLocks noChangeAspect="1" noChangeArrowheads="1"/>
           </p:cNvPicPr>
           <p:nvPr/>
         </p:nvPicPr>
-        <p:blipFill>
-          <a:blip r:embed="rId2" cstate="print">
-            <a:extLst>
-              <a:ext uri="{28A0092B-C50C-407E-A947-70E740481C1C}">
-                <a14:useLocalDpi xmlns:a14="http://schemas.microsoft.com/office/drawing/2010/main" val="0"/>
-              </a:ext>
-            </a:extLst>
-          </a:blip>
+        <p:blipFill rotWithShape="1">
+          <a:blip r:embed="rId2"/>
           <a:srcRect/>
           <a:stretch>
             <a:fillRect/>
           </a:stretch>
         </p:blipFill>
-        <p:spPr bwMode="auto">
+        <p:spPr>
           <a:xfrm>
-            <a:off x="8323251" y="4377405"/>
+            <a:off x="8492874" y="4442644"/>
             <a:ext cx="467040" cy="521347"/>
           </a:xfrm>
           <a:prstGeom prst="rect">
             <a:avLst/>
           </a:prstGeom>
           <a:noFill/>
-          <a:extLst>
-            <a:ext uri="{909E8E84-426E-40DD-AFC4-6F175D3DCCD1}">
-              <a14:hiddenFill xmlns:a14="http://schemas.microsoft.com/office/drawing/2010/main">
-                <a:solidFill>
-                  <a:srgbClr val="FFFFFF"/>
-                </a:solidFill>
-              </a14:hiddenFill>
-            </a:ext>
-          </a:extLst>
         </p:spPr>
       </p:pic>
     </p:spTree>
-    <p:extLst>
-      <p:ext uri="{BB962C8B-B14F-4D97-AF65-F5344CB8AC3E}">
-        <p14:creationId xmlns:p14="http://schemas.microsoft.com/office/powerpoint/2010/main" val="2681944168"/>
-      </p:ext>
-    </p:extLst>
   </p:cSld>
   <p:clrMapOvr>
     <a:masterClrMapping/>
   </p:clrMapOvr>
+  <p:transition xmlns:mc="http://schemas.openxmlformats.org/markup-compatibility/2006" xmlns:hp="http://schemas.haansoft.com/office/presentation/8.0" mc:Ignorable="hp" hp:hslDur="500"/>
 </p:sld>
 </file>
 
@@ -16874,49 +16666,49 @@
 </file>
 
 <file path=ppt/theme/theme1.xml><?xml version="1.0" encoding="utf-8"?>
-<a:theme xmlns:a="http://schemas.openxmlformats.org/drawingml/2006/main" name="Office 테마">
+<a:theme xmlns:r="http://schemas.openxmlformats.org/officeDocument/2006/relationships" xmlns:c="http://schemas.openxmlformats.org/drawingml/2006/chart" xmlns:dgm="http://schemas.openxmlformats.org/drawingml/2006/diagram" xmlns:dsp="http://schemas.microsoft.com/office/drawing/2008/diagram" xmlns:a="http://schemas.openxmlformats.org/drawingml/2006/main" xmlns:pic="http://schemas.openxmlformats.org/drawingml/2006/picture" xmlns:wp="http://schemas.openxmlformats.org/drawingml/2006/wordprocessingDrawing" xmlns:xdr="http://schemas.openxmlformats.org/drawingml/2006/spreadsheetDrawing" name="Office 테마">
   <a:themeElements>
     <a:clrScheme name="Office">
       <a:dk1>
         <a:sysClr val="windowText" lastClr="000000"/>
       </a:dk1>
       <a:lt1>
-        <a:sysClr val="window" lastClr="FFFFFF"/>
+        <a:sysClr val="window" lastClr="ffffff"/>
       </a:lt1>
       <a:dk2>
-        <a:srgbClr val="44546A"/>
+        <a:srgbClr val="44546a"/>
       </a:dk2>
       <a:lt2>
-        <a:srgbClr val="E7E6E6"/>
+        <a:srgbClr val="e7e6e6"/>
       </a:lt2>
       <a:accent1>
-        <a:srgbClr val="4472C4"/>
+        <a:srgbClr val="4472c4"/>
       </a:accent1>
       <a:accent2>
-        <a:srgbClr val="ED7D31"/>
+        <a:srgbClr val="ed7d31"/>
       </a:accent2>
       <a:accent3>
-        <a:srgbClr val="A5A5A5"/>
+        <a:srgbClr val="a5a5a5"/>
       </a:accent3>
       <a:accent4>
-        <a:srgbClr val="FFC000"/>
+        <a:srgbClr val="ffc000"/>
       </a:accent4>
       <a:accent5>
-        <a:srgbClr val="5B9BD5"/>
+        <a:srgbClr val="5b9bd5"/>
       </a:accent5>
       <a:accent6>
-        <a:srgbClr val="70AD47"/>
+        <a:srgbClr val="70ad47"/>
       </a:accent6>
       <a:hlink>
-        <a:srgbClr val="0563C1"/>
+        <a:srgbClr val="0563c1"/>
       </a:hlink>
       <a:folHlink>
-        <a:srgbClr val="954F72"/>
+        <a:srgbClr val="954f72"/>
       </a:folHlink>
     </a:clrScheme>
     <a:fontScheme name="Office">
       <a:majorFont>
-        <a:latin typeface="맑은 고딕" panose="20000000000000000000"/>
+        <a:latin typeface="맑은 고딕" panose="2147483647"/>
         <a:ea typeface=""/>
         <a:cs typeface=""/>
         <a:font script="Jpan" typeface="游ゴシック Light"/>
@@ -16968,7 +16760,7 @@
         <a:font script="Tfng" typeface="Ebrima"/>
       </a:majorFont>
       <a:minorFont>
-        <a:latin typeface="맑은 고딕" panose="20000000000000000000"/>
+        <a:latin typeface="맑은 고딕" panose="2147483647"/>
         <a:ea typeface=""/>
         <a:cs typeface=""/>
         <a:font script="Jpan" typeface="游ゴシック"/>
@@ -17158,55 +16950,53 @@
       </a:bgFillStyleLst>
     </a:fmtScheme>
   </a:themeElements>
-  <a:objectDefaults/>
-  <a:extraClrSchemeLst/>
 </a:theme>
 </file>
 
 <file path=ppt/theme/theme2.xml><?xml version="1.0" encoding="utf-8"?>
-<a:theme xmlns:a="http://schemas.openxmlformats.org/drawingml/2006/main" name="Office 테마">
+<a:theme xmlns:r="http://schemas.openxmlformats.org/officeDocument/2006/relationships" xmlns:c="http://schemas.openxmlformats.org/drawingml/2006/chart" xmlns:dgm="http://schemas.openxmlformats.org/drawingml/2006/diagram" xmlns:dsp="http://schemas.microsoft.com/office/drawing/2008/diagram" xmlns:a="http://schemas.openxmlformats.org/drawingml/2006/main" xmlns:pic="http://schemas.openxmlformats.org/drawingml/2006/picture" xmlns:wp="http://schemas.openxmlformats.org/drawingml/2006/wordprocessingDrawing" xmlns:xdr="http://schemas.openxmlformats.org/drawingml/2006/spreadsheetDrawing" name="Office 테마">
   <a:themeElements>
     <a:clrScheme name="Office">
       <a:dk1>
         <a:sysClr val="windowText" lastClr="000000"/>
       </a:dk1>
       <a:lt1>
-        <a:sysClr val="window" lastClr="FFFFFF"/>
+        <a:sysClr val="window" lastClr="ffffff"/>
       </a:lt1>
       <a:dk2>
-        <a:srgbClr val="44546A"/>
+        <a:srgbClr val="44546a"/>
       </a:dk2>
       <a:lt2>
-        <a:srgbClr val="E7E6E6"/>
+        <a:srgbClr val="e7e6e6"/>
       </a:lt2>
       <a:accent1>
-        <a:srgbClr val="4472C4"/>
+        <a:srgbClr val="4472c4"/>
       </a:accent1>
       <a:accent2>
-        <a:srgbClr val="ED7D31"/>
+        <a:srgbClr val="ed7d31"/>
       </a:accent2>
       <a:accent3>
-        <a:srgbClr val="A5A5A5"/>
+        <a:srgbClr val="a5a5a5"/>
       </a:accent3>
       <a:accent4>
-        <a:srgbClr val="FFC000"/>
+        <a:srgbClr val="ffc000"/>
       </a:accent4>
       <a:accent5>
-        <a:srgbClr val="5B9BD5"/>
+        <a:srgbClr val="5b9bd5"/>
       </a:accent5>
       <a:accent6>
-        <a:srgbClr val="70AD47"/>
+        <a:srgbClr val="70ad47"/>
       </a:accent6>
       <a:hlink>
-        <a:srgbClr val="0563C1"/>
+        <a:srgbClr val="0563c1"/>
       </a:hlink>
       <a:folHlink>
-        <a:srgbClr val="954F72"/>
+        <a:srgbClr val="954f72"/>
       </a:folHlink>
     </a:clrScheme>
     <a:fontScheme name="Office">
       <a:majorFont>
-        <a:latin typeface="맑은 고딕" panose="020F0302020204030204"/>
+        <a:latin typeface="맑은 고딕" panose="20"/>
         <a:ea typeface=""/>
         <a:cs typeface=""/>
         <a:font script="Jpan" typeface="游ゴシック Light"/>
@@ -17258,7 +17048,7 @@
         <a:font script="Tfng" typeface="Ebrima"/>
       </a:majorFont>
       <a:minorFont>
-        <a:latin typeface="맑은 고딕" panose="020F0502020204030204"/>
+        <a:latin typeface="맑은 고딕" panose="20"/>
         <a:ea typeface=""/>
         <a:cs typeface=""/>
         <a:font script="Jpan" typeface="游ゴシック"/>
@@ -17374,21 +17164,21 @@
             <a:schemeClr val="phClr"/>
           </a:solidFill>
           <a:prstDash val="solid"/>
-          <a:miter lim="800000"/>
+          <a:miter/>
         </a:ln>
         <a:ln w="12700" cap="flat" cmpd="sng" algn="ctr">
           <a:solidFill>
             <a:schemeClr val="phClr"/>
           </a:solidFill>
           <a:prstDash val="solid"/>
-          <a:miter lim="800000"/>
+          <a:miter/>
         </a:ln>
         <a:ln w="19050" cap="flat" cmpd="sng" algn="ctr">
           <a:solidFill>
             <a:schemeClr val="phClr"/>
           </a:solidFill>
           <a:prstDash val="solid"/>
-          <a:miter lim="800000"/>
+          <a:miter/>
         </a:ln>
       </a:lnStyleLst>
       <a:effectStyleLst>
@@ -17448,12 +17238,5 @@
       </a:bgFillStyleLst>
     </a:fmtScheme>
   </a:themeElements>
-  <a:objectDefaults/>
-  <a:extraClrSchemeLst/>
-  <a:extLst>
-    <a:ext uri="{05A4C25C-085E-4340-85A3-A5531E510DB2}">
-      <thm15:themeFamily xmlns:thm15="http://schemas.microsoft.com/office/thememl/2012/main" name="Office Theme" id="{62F939B6-93AF-4DB8-9C6B-D6C7DFDC589F}" vid="{4A3C46E8-61CC-4603-A589-7422A47A8E4A}"/>
-    </a:ext>
-  </a:extLst>
 </a:theme>
 </file>